--- a/slides-steve/RoR.pptx
+++ b/slides-steve/RoR.pptx
@@ -5,7 +5,7 @@
     <p:sldMasterId id="2147483660" r:id="rId1"/>
   </p:sldMasterIdLst>
   <p:notesMasterIdLst>
-    <p:notesMasterId r:id="rId24"/>
+    <p:notesMasterId r:id="rId25"/>
   </p:notesMasterIdLst>
   <p:sldIdLst>
     <p:sldId id="256" r:id="rId2"/>
@@ -13,23 +13,24 @@
     <p:sldId id="259" r:id="rId4"/>
     <p:sldId id="260" r:id="rId5"/>
     <p:sldId id="261" r:id="rId6"/>
-    <p:sldId id="262" r:id="rId7"/>
-    <p:sldId id="263" r:id="rId8"/>
-    <p:sldId id="264" r:id="rId9"/>
-    <p:sldId id="265" r:id="rId10"/>
-    <p:sldId id="266" r:id="rId11"/>
-    <p:sldId id="267" r:id="rId12"/>
-    <p:sldId id="268" r:id="rId13"/>
-    <p:sldId id="271" r:id="rId14"/>
-    <p:sldId id="272" r:id="rId15"/>
-    <p:sldId id="273" r:id="rId16"/>
-    <p:sldId id="274" r:id="rId17"/>
-    <p:sldId id="275" r:id="rId18"/>
-    <p:sldId id="276" r:id="rId19"/>
-    <p:sldId id="277" r:id="rId20"/>
-    <p:sldId id="278" r:id="rId21"/>
-    <p:sldId id="279" r:id="rId22"/>
-    <p:sldId id="280" r:id="rId23"/>
+    <p:sldId id="281" r:id="rId7"/>
+    <p:sldId id="262" r:id="rId8"/>
+    <p:sldId id="263" r:id="rId9"/>
+    <p:sldId id="264" r:id="rId10"/>
+    <p:sldId id="265" r:id="rId11"/>
+    <p:sldId id="266" r:id="rId12"/>
+    <p:sldId id="267" r:id="rId13"/>
+    <p:sldId id="268" r:id="rId14"/>
+    <p:sldId id="271" r:id="rId15"/>
+    <p:sldId id="272" r:id="rId16"/>
+    <p:sldId id="273" r:id="rId17"/>
+    <p:sldId id="274" r:id="rId18"/>
+    <p:sldId id="275" r:id="rId19"/>
+    <p:sldId id="276" r:id="rId20"/>
+    <p:sldId id="277" r:id="rId21"/>
+    <p:sldId id="278" r:id="rId22"/>
+    <p:sldId id="279" r:id="rId23"/>
+    <p:sldId id="280" r:id="rId24"/>
   </p:sldIdLst>
   <p:sldSz cx="9144000" cy="6858000" type="screen4x3"/>
   <p:notesSz cx="6858000" cy="9144000"/>
@@ -128,6 +129,22 @@
       </a:defRPr>
     </a:lvl9pPr>
   </p:defaultTextStyle>
+  <p:extLst>
+    <p:ext uri="{EFAFB233-063F-42B5-8137-9DF3F51BA10A}">
+      <p15:sldGuideLst xmlns:p15="http://schemas.microsoft.com/office/powerpoint/2012/main">
+        <p15:guide id="1" orient="horz" pos="2160">
+          <p15:clr>
+            <a:srgbClr val="A4A3A4"/>
+          </p15:clr>
+        </p15:guide>
+        <p15:guide id="2" pos="2880">
+          <p15:clr>
+            <a:srgbClr val="A4A3A4"/>
+          </p15:clr>
+        </p15:guide>
+      </p15:sldGuideLst>
+    </p:ext>
+  </p:extLst>
 </p:presentation>
 </file>
 
@@ -213,7 +230,7 @@
           <a:p>
             <a:fld id="{40838336-026A-DE49-AF1E-8A66BC540D67}" type="datetimeFigureOut">
               <a:rPr lang="en-US" smtClean="0"/>
-              <a:t>10/20/15</a:t>
+              <a:t>9/30/16</a:t>
             </a:fld>
             <a:endParaRPr lang="en-US"/>
           </a:p>
@@ -554,7 +571,7 @@
           <a:p>
             <a:fld id="{8E65FBD3-B515-E240-BBC0-ACB1158A82DA}" type="slidenum">
               <a:rPr lang="en-US" smtClean="0"/>
-              <a:t>17</a:t>
+              <a:t>18</a:t>
             </a:fld>
             <a:endParaRPr lang="en-US"/>
           </a:p>
@@ -852,7 +869,7 @@
           <a:p>
             <a:fld id="{88147E12-7126-7343-BB5C-A247C30879C4}" type="datetimeFigureOut">
               <a:rPr lang="en-US" smtClean="0"/>
-              <a:t>10/20/15</a:t>
+              <a:t>9/30/16</a:t>
             </a:fld>
             <a:endParaRPr lang="en-US"/>
           </a:p>
@@ -1140,7 +1157,7 @@
           <a:p>
             <a:fld id="{88147E12-7126-7343-BB5C-A247C30879C4}" type="datetimeFigureOut">
               <a:rPr lang="en-US" smtClean="0"/>
-              <a:t>10/20/15</a:t>
+              <a:t>9/30/16</a:t>
             </a:fld>
             <a:endParaRPr lang="en-US"/>
           </a:p>
@@ -1258,7 +1275,7 @@
           <a:p>
             <a:fld id="{88147E12-7126-7343-BB5C-A247C30879C4}" type="datetimeFigureOut">
               <a:rPr lang="en-US" smtClean="0"/>
-              <a:t>10/20/15</a:t>
+              <a:t>9/30/16</a:t>
             </a:fld>
             <a:endParaRPr lang="en-US"/>
           </a:p>
@@ -1353,7 +1370,7 @@
           <a:p>
             <a:fld id="{88147E12-7126-7343-BB5C-A247C30879C4}" type="datetimeFigureOut">
               <a:rPr lang="en-US" smtClean="0"/>
-              <a:t>10/20/15</a:t>
+              <a:t>9/30/16</a:t>
             </a:fld>
             <a:endParaRPr lang="en-US"/>
           </a:p>
@@ -1595,7 +1612,7 @@
           <a:p>
             <a:fld id="{88147E12-7126-7343-BB5C-A247C30879C4}" type="datetimeFigureOut">
               <a:rPr lang="en-US" smtClean="0"/>
-              <a:t>10/20/15</a:t>
+              <a:t>9/30/16</a:t>
             </a:fld>
             <a:endParaRPr lang="en-US"/>
           </a:p>
@@ -1837,7 +1854,7 @@
           <a:p>
             <a:fld id="{88147E12-7126-7343-BB5C-A247C30879C4}" type="datetimeFigureOut">
               <a:rPr lang="en-US" smtClean="0"/>
-              <a:t>10/20/15</a:t>
+              <a:t>9/30/16</a:t>
             </a:fld>
             <a:endParaRPr lang="en-US"/>
           </a:p>
@@ -2296,6 +2313,390 @@
           <a:p>
             <a:r>
               <a:rPr lang="en-US" dirty="0" smtClean="0"/>
+              <a:t>Finished</a:t>
+            </a:r>
+            <a:endParaRPr lang="en-US" dirty="0"/>
+          </a:p>
+        </p:txBody>
+      </p:sp>
+      <p:sp>
+        <p:nvSpPr>
+          <p:cNvPr id="3" name="Content Placeholder 2"/>
+          <p:cNvSpPr>
+            <a:spLocks noGrp="1"/>
+          </p:cNvSpPr>
+          <p:nvPr>
+            <p:ph idx="1"/>
+          </p:nvPr>
+        </p:nvSpPr>
+        <p:spPr/>
+        <p:txBody>
+          <a:bodyPr>
+            <a:normAutofit fontScale="70000" lnSpcReduction="20000"/>
+          </a:bodyPr>
+          <a:lstStyle/>
+          <a:p>
+            <a:pPr marL="0" indent="0">
+              <a:buNone/>
+            </a:pPr>
+            <a:r>
+              <a:rPr lang="en-US" dirty="0" smtClean="0">
+                <a:latin typeface="Courier"/>
+                <a:cs typeface="Courier"/>
+              </a:rPr>
+              <a:t>[…]</a:t>
+            </a:r>
+          </a:p>
+          <a:p>
+            <a:pPr marL="0" indent="0">
+              <a:buNone/>
+            </a:pPr>
+            <a:r>
+              <a:rPr lang="en-US" dirty="0" smtClean="0">
+                <a:latin typeface="Courier"/>
+                <a:cs typeface="Courier"/>
+              </a:rPr>
+              <a:t>Your </a:t>
+            </a:r>
+            <a:r>
+              <a:rPr lang="en-US" dirty="0">
+                <a:latin typeface="Courier"/>
+                <a:cs typeface="Courier"/>
+              </a:rPr>
+              <a:t>bundle is complete</a:t>
+            </a:r>
+            <a:r>
+              <a:rPr lang="en-US" dirty="0" smtClean="0">
+                <a:latin typeface="Courier"/>
+                <a:cs typeface="Courier"/>
+              </a:rPr>
+              <a:t>!</a:t>
+            </a:r>
+            <a:endParaRPr lang="en-US" dirty="0">
+              <a:latin typeface="Courier"/>
+              <a:cs typeface="Courier"/>
+            </a:endParaRPr>
+          </a:p>
+          <a:p>
+            <a:pPr marL="0" indent="0">
+              <a:buNone/>
+            </a:pPr>
+            <a:r>
+              <a:rPr lang="en-US" dirty="0">
+                <a:latin typeface="Courier"/>
+                <a:cs typeface="Courier"/>
+              </a:rPr>
+              <a:t>Use `bundle show [</a:t>
+            </a:r>
+            <a:r>
+              <a:rPr lang="en-US" dirty="0" err="1">
+                <a:latin typeface="Courier"/>
+                <a:cs typeface="Courier"/>
+              </a:rPr>
+              <a:t>gemname</a:t>
+            </a:r>
+            <a:r>
+              <a:rPr lang="en-US" dirty="0">
+                <a:latin typeface="Courier"/>
+                <a:cs typeface="Courier"/>
+              </a:rPr>
+              <a:t>]` to see where a bundled gem is installed</a:t>
+            </a:r>
+            <a:r>
+              <a:rPr lang="en-US" dirty="0" smtClean="0">
+                <a:latin typeface="Courier"/>
+                <a:cs typeface="Courier"/>
+              </a:rPr>
+              <a:t>.</a:t>
+            </a:r>
+            <a:endParaRPr lang="en-US" dirty="0">
+              <a:latin typeface="Courier"/>
+              <a:cs typeface="Courier"/>
+            </a:endParaRPr>
+          </a:p>
+          <a:p>
+            <a:pPr marL="0" indent="0">
+              <a:buNone/>
+            </a:pPr>
+            <a:r>
+              <a:rPr lang="en-US" dirty="0">
+                <a:latin typeface="Courier"/>
+                <a:cs typeface="Courier"/>
+              </a:rPr>
+              <a:t>Post-install message from </a:t>
+            </a:r>
+            <a:r>
+              <a:rPr lang="en-US" dirty="0" err="1">
+                <a:latin typeface="Courier"/>
+                <a:cs typeface="Courier"/>
+              </a:rPr>
+              <a:t>rdoc</a:t>
+            </a:r>
+            <a:r>
+              <a:rPr lang="en-US" dirty="0" smtClean="0">
+                <a:latin typeface="Courier"/>
+                <a:cs typeface="Courier"/>
+              </a:rPr>
+              <a:t>:</a:t>
+            </a:r>
+            <a:endParaRPr lang="en-US" dirty="0">
+              <a:latin typeface="Courier"/>
+              <a:cs typeface="Courier"/>
+            </a:endParaRPr>
+          </a:p>
+          <a:p>
+            <a:pPr marL="0" indent="0">
+              <a:buNone/>
+            </a:pPr>
+            <a:r>
+              <a:rPr lang="en-US" dirty="0">
+                <a:latin typeface="Courier"/>
+                <a:cs typeface="Courier"/>
+              </a:rPr>
+              <a:t>Depending on your version of ruby, you may need to install ruby </a:t>
+            </a:r>
+            <a:r>
+              <a:rPr lang="en-US" dirty="0" err="1">
+                <a:latin typeface="Courier"/>
+                <a:cs typeface="Courier"/>
+              </a:rPr>
+              <a:t>rdoc</a:t>
+            </a:r>
+            <a:r>
+              <a:rPr lang="en-US" dirty="0">
+                <a:latin typeface="Courier"/>
+                <a:cs typeface="Courier"/>
+              </a:rPr>
+              <a:t>/</a:t>
+            </a:r>
+            <a:r>
+              <a:rPr lang="en-US" dirty="0" err="1">
+                <a:latin typeface="Courier"/>
+                <a:cs typeface="Courier"/>
+              </a:rPr>
+              <a:t>ri</a:t>
+            </a:r>
+            <a:r>
+              <a:rPr lang="en-US" dirty="0">
+                <a:latin typeface="Courier"/>
+                <a:cs typeface="Courier"/>
+              </a:rPr>
+              <a:t> data</a:t>
+            </a:r>
+            <a:r>
+              <a:rPr lang="en-US" dirty="0" smtClean="0">
+                <a:latin typeface="Courier"/>
+                <a:cs typeface="Courier"/>
+              </a:rPr>
+              <a:t>:</a:t>
+            </a:r>
+            <a:endParaRPr lang="en-US" dirty="0">
+              <a:latin typeface="Courier"/>
+              <a:cs typeface="Courier"/>
+            </a:endParaRPr>
+          </a:p>
+          <a:p>
+            <a:pPr marL="0" indent="0">
+              <a:buNone/>
+            </a:pPr>
+            <a:endParaRPr lang="en-US" dirty="0">
+              <a:latin typeface="Courier"/>
+              <a:cs typeface="Courier"/>
+            </a:endParaRPr>
+          </a:p>
+          <a:p>
+            <a:pPr marL="0" indent="0">
+              <a:buNone/>
+            </a:pPr>
+            <a:r>
+              <a:rPr lang="en-US" dirty="0">
+                <a:latin typeface="Courier"/>
+                <a:cs typeface="Courier"/>
+              </a:rPr>
+              <a:t>&lt;= 1.8.6 : </a:t>
+            </a:r>
+            <a:r>
+              <a:rPr lang="en-US" dirty="0" smtClean="0">
+                <a:latin typeface="Courier"/>
+                <a:cs typeface="Courier"/>
+              </a:rPr>
+              <a:t>unsupported</a:t>
+            </a:r>
+            <a:endParaRPr lang="en-US" dirty="0">
+              <a:latin typeface="Courier"/>
+              <a:cs typeface="Courier"/>
+            </a:endParaRPr>
+          </a:p>
+          <a:p>
+            <a:pPr marL="0" indent="0">
+              <a:buNone/>
+            </a:pPr>
+            <a:r>
+              <a:rPr lang="en-US" dirty="0">
+                <a:latin typeface="Courier"/>
+                <a:cs typeface="Courier"/>
+              </a:rPr>
+              <a:t> = 1.8.7 : gem install </a:t>
+            </a:r>
+            <a:r>
+              <a:rPr lang="en-US" dirty="0" err="1">
+                <a:latin typeface="Courier"/>
+                <a:cs typeface="Courier"/>
+              </a:rPr>
+              <a:t>rdoc</a:t>
+            </a:r>
+            <a:r>
+              <a:rPr lang="en-US" dirty="0">
+                <a:latin typeface="Courier"/>
+                <a:cs typeface="Courier"/>
+              </a:rPr>
+              <a:t>-data; </a:t>
+            </a:r>
+            <a:r>
+              <a:rPr lang="en-US" dirty="0" err="1">
+                <a:latin typeface="Courier"/>
+                <a:cs typeface="Courier"/>
+              </a:rPr>
+              <a:t>rdoc</a:t>
+            </a:r>
+            <a:r>
+              <a:rPr lang="en-US" dirty="0">
+                <a:latin typeface="Courier"/>
+                <a:cs typeface="Courier"/>
+              </a:rPr>
+              <a:t>-data --</a:t>
+            </a:r>
+            <a:r>
+              <a:rPr lang="en-US" dirty="0" smtClean="0">
+                <a:latin typeface="Courier"/>
+                <a:cs typeface="Courier"/>
+              </a:rPr>
+              <a:t>install</a:t>
+            </a:r>
+            <a:endParaRPr lang="en-US" dirty="0">
+              <a:latin typeface="Courier"/>
+              <a:cs typeface="Courier"/>
+            </a:endParaRPr>
+          </a:p>
+          <a:p>
+            <a:pPr marL="0" indent="0">
+              <a:buNone/>
+            </a:pPr>
+            <a:r>
+              <a:rPr lang="en-US" dirty="0">
+                <a:latin typeface="Courier"/>
+                <a:cs typeface="Courier"/>
+              </a:rPr>
+              <a:t> = 1.9.1 : gem install </a:t>
+            </a:r>
+            <a:r>
+              <a:rPr lang="en-US" dirty="0" err="1">
+                <a:latin typeface="Courier"/>
+                <a:cs typeface="Courier"/>
+              </a:rPr>
+              <a:t>rdoc</a:t>
+            </a:r>
+            <a:r>
+              <a:rPr lang="en-US" dirty="0">
+                <a:latin typeface="Courier"/>
+                <a:cs typeface="Courier"/>
+              </a:rPr>
+              <a:t>-data; </a:t>
+            </a:r>
+            <a:r>
+              <a:rPr lang="en-US" dirty="0" err="1">
+                <a:latin typeface="Courier"/>
+                <a:cs typeface="Courier"/>
+              </a:rPr>
+              <a:t>rdoc</a:t>
+            </a:r>
+            <a:r>
+              <a:rPr lang="en-US" dirty="0">
+                <a:latin typeface="Courier"/>
+                <a:cs typeface="Courier"/>
+              </a:rPr>
+              <a:t>-data --</a:t>
+            </a:r>
+            <a:r>
+              <a:rPr lang="en-US" dirty="0" smtClean="0">
+                <a:latin typeface="Courier"/>
+                <a:cs typeface="Courier"/>
+              </a:rPr>
+              <a:t>install</a:t>
+            </a:r>
+            <a:endParaRPr lang="en-US" dirty="0">
+              <a:latin typeface="Courier"/>
+              <a:cs typeface="Courier"/>
+            </a:endParaRPr>
+          </a:p>
+          <a:p>
+            <a:pPr marL="0" indent="0">
+              <a:buNone/>
+            </a:pPr>
+            <a:r>
+              <a:rPr lang="en-US" dirty="0">
+                <a:latin typeface="Courier"/>
+                <a:cs typeface="Courier"/>
+              </a:rPr>
+              <a:t>&gt;= 1.9.2 : nothing to do! Yay!</a:t>
+            </a:r>
+          </a:p>
+        </p:txBody>
+      </p:sp>
+    </p:spTree>
+    <p:extLst>
+      <p:ext uri="{BB962C8B-B14F-4D97-AF65-F5344CB8AC3E}">
+        <p14:creationId xmlns:p14="http://schemas.microsoft.com/office/powerpoint/2010/main" val="3779438900"/>
+      </p:ext>
+    </p:extLst>
+  </p:cSld>
+  <p:clrMapOvr>
+    <a:masterClrMapping/>
+  </p:clrMapOvr>
+  <p:timing>
+    <p:tnLst>
+      <p:par>
+        <p:cTn id="1" dur="indefinite" restart="never" nodeType="tmRoot"/>
+      </p:par>
+    </p:tnLst>
+  </p:timing>
+</p:sld>
+</file>
+
+<file path=ppt/slides/slide11.xml><?xml version="1.0" encoding="utf-8"?>
+<p:sld xmlns:a="http://schemas.openxmlformats.org/drawingml/2006/main" xmlns:r="http://schemas.openxmlformats.org/officeDocument/2006/relationships" xmlns:p="http://schemas.openxmlformats.org/presentationml/2006/main">
+  <p:cSld>
+    <p:spTree>
+      <p:nvGrpSpPr>
+        <p:cNvPr id="1" name=""/>
+        <p:cNvGrpSpPr/>
+        <p:nvPr/>
+      </p:nvGrpSpPr>
+      <p:grpSpPr>
+        <a:xfrm>
+          <a:off x="0" y="0"/>
+          <a:ext cx="0" cy="0"/>
+          <a:chOff x="0" y="0"/>
+          <a:chExt cx="0" cy="0"/>
+        </a:xfrm>
+      </p:grpSpPr>
+      <p:sp>
+        <p:nvSpPr>
+          <p:cNvPr id="2" name="Title 1"/>
+          <p:cNvSpPr>
+            <a:spLocks noGrp="1"/>
+          </p:cNvSpPr>
+          <p:nvPr>
+            <p:ph type="title"/>
+          </p:nvPr>
+        </p:nvSpPr>
+        <p:spPr/>
+        <p:txBody>
+          <a:bodyPr/>
+          <a:lstStyle/>
+          <a:p>
+            <a:r>
+              <a:rPr lang="en-US" dirty="0" smtClean="0"/>
               <a:t>Start the Server</a:t>
             </a:r>
             <a:endParaRPr lang="en-US" dirty="0"/>
@@ -2607,14 +3008,14 @@
   <p:timing>
     <p:tnLst>
       <p:par>
-        <p:cTn xmlns:p14="http://schemas.microsoft.com/office/powerpoint/2010/main" id="1" dur="indefinite" restart="never" nodeType="tmRoot"/>
+        <p:cTn id="1" dur="indefinite" restart="never" nodeType="tmRoot"/>
       </p:par>
     </p:tnLst>
   </p:timing>
 </p:sld>
 </file>
 
-<file path=ppt/slides/slide11.xml><?xml version="1.0" encoding="utf-8"?>
+<file path=ppt/slides/slide12.xml><?xml version="1.0" encoding="utf-8"?>
 <p:sld xmlns:a="http://schemas.openxmlformats.org/drawingml/2006/main" xmlns:r="http://schemas.openxmlformats.org/officeDocument/2006/relationships" xmlns:p="http://schemas.openxmlformats.org/presentationml/2006/main">
   <p:cSld>
     <p:spTree>
@@ -2692,14 +3093,14 @@
   <p:timing>
     <p:tnLst>
       <p:par>
-        <p:cTn xmlns:p14="http://schemas.microsoft.com/office/powerpoint/2010/main" id="1" dur="indefinite" restart="never" nodeType="tmRoot"/>
+        <p:cTn id="1" dur="indefinite" restart="never" nodeType="tmRoot"/>
       </p:par>
     </p:tnLst>
   </p:timing>
 </p:sld>
 </file>
 
-<file path=ppt/slides/slide12.xml><?xml version="1.0" encoding="utf-8"?>
+<file path=ppt/slides/slide13.xml><?xml version="1.0" encoding="utf-8"?>
 <p:sld xmlns:a="http://schemas.openxmlformats.org/drawingml/2006/main" xmlns:r="http://schemas.openxmlformats.org/officeDocument/2006/relationships" xmlns:p="http://schemas.openxmlformats.org/presentationml/2006/main">
   <p:cSld>
     <p:spTree>
@@ -2777,333 +3178,10 @@
   <p:timing>
     <p:tnLst>
       <p:par>
-        <p:cTn xmlns:p14="http://schemas.microsoft.com/office/powerpoint/2010/main" id="1" dur="indefinite" restart="never" nodeType="tmRoot"/>
+        <p:cTn id="1" dur="indefinite" restart="never" nodeType="tmRoot"/>
       </p:par>
     </p:tnLst>
   </p:timing>
-</p:sld>
-</file>
-
-<file path=ppt/slides/slide13.xml><?xml version="1.0" encoding="utf-8"?>
-<p:sld xmlns:a="http://schemas.openxmlformats.org/drawingml/2006/main" xmlns:r="http://schemas.openxmlformats.org/officeDocument/2006/relationships" xmlns:p="http://schemas.openxmlformats.org/presentationml/2006/main" show="0">
-  <p:cSld>
-    <p:spTree>
-      <p:nvGrpSpPr>
-        <p:cNvPr id="1" name=""/>
-        <p:cNvGrpSpPr/>
-        <p:nvPr/>
-      </p:nvGrpSpPr>
-      <p:grpSpPr>
-        <a:xfrm>
-          <a:off x="0" y="0"/>
-          <a:ext cx="0" cy="0"/>
-          <a:chOff x="0" y="0"/>
-          <a:chExt cx="0" cy="0"/>
-        </a:xfrm>
-      </p:grpSpPr>
-      <p:sp>
-        <p:nvSpPr>
-          <p:cNvPr id="2" name="Title 1"/>
-          <p:cNvSpPr>
-            <a:spLocks noGrp="1"/>
-          </p:cNvSpPr>
-          <p:nvPr>
-            <p:ph type="title"/>
-          </p:nvPr>
-        </p:nvSpPr>
-        <p:spPr/>
-        <p:txBody>
-          <a:bodyPr/>
-          <a:lstStyle/>
-          <a:p>
-            <a:r>
-              <a:rPr lang="en-US" dirty="0" smtClean="0"/>
-              <a:t>Easy, but less secure</a:t>
-            </a:r>
-            <a:endParaRPr lang="en-US" dirty="0"/>
-          </a:p>
-        </p:txBody>
-      </p:sp>
-      <p:sp>
-        <p:nvSpPr>
-          <p:cNvPr id="3" name="Content Placeholder 2"/>
-          <p:cNvSpPr>
-            <a:spLocks noGrp="1"/>
-          </p:cNvSpPr>
-          <p:nvPr>
-            <p:ph idx="1"/>
-          </p:nvPr>
-        </p:nvSpPr>
-        <p:spPr/>
-        <p:txBody>
-          <a:bodyPr>
-            <a:normAutofit/>
-          </a:bodyPr>
-          <a:lstStyle/>
-          <a:p>
-            <a:pPr marL="0" indent="0">
-              <a:buNone/>
-            </a:pPr>
-            <a:r>
-              <a:rPr lang="en-US" sz="2800" dirty="0">
-                <a:latin typeface="Courier"/>
-                <a:cs typeface="Courier"/>
-              </a:rPr>
-              <a:t>$ </a:t>
-            </a:r>
-            <a:r>
-              <a:rPr lang="en-US" sz="2800" dirty="0">
-                <a:solidFill>
-                  <a:srgbClr val="FF0000"/>
-                </a:solidFill>
-                <a:latin typeface="Courier"/>
-                <a:cs typeface="Courier"/>
-              </a:rPr>
-              <a:t>gem sources -l</a:t>
-            </a:r>
-          </a:p>
-          <a:p>
-            <a:pPr marL="0" indent="0">
-              <a:buNone/>
-            </a:pPr>
-            <a:r>
-              <a:rPr lang="en-US" sz="2800" dirty="0">
-                <a:latin typeface="Courier"/>
-                <a:cs typeface="Courier"/>
-              </a:rPr>
-              <a:t>*** CURRENT SOURCES **</a:t>
-            </a:r>
-            <a:r>
-              <a:rPr lang="en-US" sz="2800" dirty="0" smtClean="0">
-                <a:latin typeface="Courier"/>
-                <a:cs typeface="Courier"/>
-              </a:rPr>
-              <a:t>*</a:t>
-            </a:r>
-            <a:endParaRPr lang="en-US" sz="2800" dirty="0">
-              <a:latin typeface="Courier"/>
-              <a:cs typeface="Courier"/>
-            </a:endParaRPr>
-          </a:p>
-          <a:p>
-            <a:pPr marL="0" indent="0">
-              <a:buNone/>
-            </a:pPr>
-            <a:r>
-              <a:rPr lang="en-US" sz="2800" dirty="0">
-                <a:latin typeface="Courier"/>
-                <a:cs typeface="Courier"/>
-              </a:rPr>
-              <a:t>https://</a:t>
-            </a:r>
-            <a:r>
-              <a:rPr lang="en-US" sz="2800" dirty="0" err="1">
-                <a:latin typeface="Courier"/>
-                <a:cs typeface="Courier"/>
-              </a:rPr>
-              <a:t>rubygems.org</a:t>
-            </a:r>
-            <a:r>
-              <a:rPr lang="en-US" sz="2800" dirty="0" smtClean="0">
-                <a:latin typeface="Courier"/>
-                <a:cs typeface="Courier"/>
-              </a:rPr>
-              <a:t>/</a:t>
-            </a:r>
-            <a:endParaRPr lang="en-US" sz="2800" dirty="0">
-              <a:latin typeface="Courier"/>
-              <a:cs typeface="Courier"/>
-            </a:endParaRPr>
-          </a:p>
-          <a:p>
-            <a:pPr marL="0" indent="0">
-              <a:buNone/>
-            </a:pPr>
-            <a:r>
-              <a:rPr lang="en-US" sz="2800" dirty="0" smtClean="0">
-                <a:latin typeface="Courier"/>
-                <a:cs typeface="Courier"/>
-              </a:rPr>
-              <a:t>$ </a:t>
-            </a:r>
-            <a:r>
-              <a:rPr lang="en-US" sz="2800" dirty="0" smtClean="0">
-                <a:solidFill>
-                  <a:srgbClr val="FF0000"/>
-                </a:solidFill>
-                <a:latin typeface="Courier"/>
-                <a:cs typeface="Courier"/>
-              </a:rPr>
-              <a:t>gem </a:t>
-            </a:r>
-            <a:r>
-              <a:rPr lang="en-US" sz="2800" dirty="0">
-                <a:solidFill>
-                  <a:srgbClr val="FF0000"/>
-                </a:solidFill>
-                <a:latin typeface="Courier"/>
-                <a:cs typeface="Courier"/>
-              </a:rPr>
-              <a:t>source -a http://</a:t>
-            </a:r>
-            <a:r>
-              <a:rPr lang="en-US" sz="2800" dirty="0" err="1">
-                <a:solidFill>
-                  <a:srgbClr val="FF0000"/>
-                </a:solidFill>
-                <a:latin typeface="Courier"/>
-                <a:cs typeface="Courier"/>
-              </a:rPr>
-              <a:t>rubygems.org</a:t>
-            </a:r>
-            <a:r>
-              <a:rPr lang="en-US" sz="2800" dirty="0">
-                <a:solidFill>
-                  <a:srgbClr val="FF0000"/>
-                </a:solidFill>
-                <a:latin typeface="Courier"/>
-                <a:cs typeface="Courier"/>
-              </a:rPr>
-              <a:t>/</a:t>
-            </a:r>
-          </a:p>
-          <a:p>
-            <a:pPr marL="0" indent="0">
-              <a:buNone/>
-            </a:pPr>
-            <a:r>
-              <a:rPr lang="en-US" sz="2800" dirty="0">
-                <a:latin typeface="Courier"/>
-                <a:cs typeface="Courier"/>
-              </a:rPr>
-              <a:t>$ </a:t>
-            </a:r>
-            <a:r>
-              <a:rPr lang="en-US" sz="2800" dirty="0">
-                <a:solidFill>
-                  <a:srgbClr val="FF0000"/>
-                </a:solidFill>
-                <a:latin typeface="Courier"/>
-                <a:cs typeface="Courier"/>
-              </a:rPr>
-              <a:t>gem source -r https://</a:t>
-            </a:r>
-            <a:r>
-              <a:rPr lang="en-US" sz="2800" dirty="0" err="1">
-                <a:solidFill>
-                  <a:srgbClr val="FF0000"/>
-                </a:solidFill>
-                <a:latin typeface="Courier"/>
-                <a:cs typeface="Courier"/>
-              </a:rPr>
-              <a:t>rubygems.org</a:t>
-            </a:r>
-            <a:r>
-              <a:rPr lang="en-US" sz="2800" dirty="0">
-                <a:solidFill>
-                  <a:srgbClr val="FF0000"/>
-                </a:solidFill>
-                <a:latin typeface="Courier"/>
-                <a:cs typeface="Courier"/>
-              </a:rPr>
-              <a:t>/</a:t>
-            </a:r>
-          </a:p>
-          <a:p>
-            <a:pPr marL="0" indent="0">
-              <a:buNone/>
-            </a:pPr>
-            <a:r>
-              <a:rPr lang="en-US" sz="2800" dirty="0" smtClean="0">
-                <a:latin typeface="Courier"/>
-                <a:cs typeface="Courier"/>
-              </a:rPr>
-              <a:t>$ </a:t>
-            </a:r>
-            <a:r>
-              <a:rPr lang="en-US" sz="2800" dirty="0">
-                <a:solidFill>
-                  <a:srgbClr val="FF0000"/>
-                </a:solidFill>
-                <a:latin typeface="Courier"/>
-                <a:cs typeface="Courier"/>
-              </a:rPr>
-              <a:t>gem sources -l</a:t>
-            </a:r>
-          </a:p>
-          <a:p>
-            <a:pPr marL="0" indent="0">
-              <a:buNone/>
-            </a:pPr>
-            <a:r>
-              <a:rPr lang="en-US" sz="2800" dirty="0">
-                <a:latin typeface="Courier"/>
-                <a:cs typeface="Courier"/>
-              </a:rPr>
-              <a:t>*** CURRENT SOURCES **</a:t>
-            </a:r>
-            <a:r>
-              <a:rPr lang="en-US" sz="2800" dirty="0" smtClean="0">
-                <a:latin typeface="Courier"/>
-                <a:cs typeface="Courier"/>
-              </a:rPr>
-              <a:t>*</a:t>
-            </a:r>
-            <a:endParaRPr lang="en-US" sz="2800" dirty="0">
-              <a:latin typeface="Courier"/>
-              <a:cs typeface="Courier"/>
-            </a:endParaRPr>
-          </a:p>
-          <a:p>
-            <a:pPr marL="0" indent="0">
-              <a:buNone/>
-            </a:pPr>
-            <a:r>
-              <a:rPr lang="en-US" sz="2800" dirty="0">
-                <a:latin typeface="Courier"/>
-                <a:cs typeface="Courier"/>
-              </a:rPr>
-              <a:t>http://</a:t>
-            </a:r>
-            <a:r>
-              <a:rPr lang="en-US" sz="2800" dirty="0" err="1">
-                <a:latin typeface="Courier"/>
-                <a:cs typeface="Courier"/>
-              </a:rPr>
-              <a:t>rubygems.org</a:t>
-            </a:r>
-            <a:r>
-              <a:rPr lang="en-US" sz="2800" dirty="0" smtClean="0">
-                <a:latin typeface="Courier"/>
-                <a:cs typeface="Courier"/>
-              </a:rPr>
-              <a:t>/</a:t>
-            </a:r>
-            <a:endParaRPr lang="en-US" sz="2800" dirty="0">
-              <a:latin typeface="Courier"/>
-              <a:cs typeface="Courier"/>
-            </a:endParaRPr>
-          </a:p>
-        </p:txBody>
-      </p:sp>
-    </p:spTree>
-    <p:extLst>
-      <p:ext uri="{BB962C8B-B14F-4D97-AF65-F5344CB8AC3E}">
-        <p14:creationId xmlns:p14="http://schemas.microsoft.com/office/powerpoint/2010/main" val="2770428400"/>
-      </p:ext>
-    </p:extLst>
-  </p:cSld>
-  <p:clrMapOvr>
-    <a:masterClrMapping/>
-  </p:clrMapOvr>
-  <mc:AlternateContent xmlns:mc="http://schemas.openxmlformats.org/markup-compatibility/2006">
-    <mc:Choice xmlns:p14="http://schemas.microsoft.com/office/powerpoint/2010/main" Requires="p14">
-      <p:transition spd="slow" p14:dur="2000"/>
-    </mc:Choice>
-    <mc:Fallback>
-      <p:transition xmlns:p14="http://schemas.microsoft.com/office/powerpoint/2010/main" spd="slow"/>
-    </mc:Fallback>
-  </mc:AlternateContent>
 </p:sld>
 </file>
 
@@ -3136,6 +3214,329 @@
         </p:nvSpPr>
         <p:spPr/>
         <p:txBody>
+          <a:bodyPr/>
+          <a:lstStyle/>
+          <a:p>
+            <a:r>
+              <a:rPr lang="en-US" dirty="0" smtClean="0"/>
+              <a:t>Easy, but less secure</a:t>
+            </a:r>
+            <a:endParaRPr lang="en-US" dirty="0"/>
+          </a:p>
+        </p:txBody>
+      </p:sp>
+      <p:sp>
+        <p:nvSpPr>
+          <p:cNvPr id="3" name="Content Placeholder 2"/>
+          <p:cNvSpPr>
+            <a:spLocks noGrp="1"/>
+          </p:cNvSpPr>
+          <p:nvPr>
+            <p:ph idx="1"/>
+          </p:nvPr>
+        </p:nvSpPr>
+        <p:spPr/>
+        <p:txBody>
+          <a:bodyPr>
+            <a:normAutofit/>
+          </a:bodyPr>
+          <a:lstStyle/>
+          <a:p>
+            <a:pPr marL="0" indent="0">
+              <a:buNone/>
+            </a:pPr>
+            <a:r>
+              <a:rPr lang="en-US" sz="2800" dirty="0">
+                <a:latin typeface="Courier"/>
+                <a:cs typeface="Courier"/>
+              </a:rPr>
+              <a:t>$ </a:t>
+            </a:r>
+            <a:r>
+              <a:rPr lang="en-US" sz="2800" dirty="0">
+                <a:solidFill>
+                  <a:srgbClr val="FF0000"/>
+                </a:solidFill>
+                <a:latin typeface="Courier"/>
+                <a:cs typeface="Courier"/>
+              </a:rPr>
+              <a:t>gem sources -l</a:t>
+            </a:r>
+          </a:p>
+          <a:p>
+            <a:pPr marL="0" indent="0">
+              <a:buNone/>
+            </a:pPr>
+            <a:r>
+              <a:rPr lang="en-US" sz="2800" dirty="0">
+                <a:latin typeface="Courier"/>
+                <a:cs typeface="Courier"/>
+              </a:rPr>
+              <a:t>*** CURRENT SOURCES **</a:t>
+            </a:r>
+            <a:r>
+              <a:rPr lang="en-US" sz="2800" dirty="0" smtClean="0">
+                <a:latin typeface="Courier"/>
+                <a:cs typeface="Courier"/>
+              </a:rPr>
+              <a:t>*</a:t>
+            </a:r>
+            <a:endParaRPr lang="en-US" sz="2800" dirty="0">
+              <a:latin typeface="Courier"/>
+              <a:cs typeface="Courier"/>
+            </a:endParaRPr>
+          </a:p>
+          <a:p>
+            <a:pPr marL="0" indent="0">
+              <a:buNone/>
+            </a:pPr>
+            <a:r>
+              <a:rPr lang="en-US" sz="2800" dirty="0">
+                <a:latin typeface="Courier"/>
+                <a:cs typeface="Courier"/>
+              </a:rPr>
+              <a:t>https://</a:t>
+            </a:r>
+            <a:r>
+              <a:rPr lang="en-US" sz="2800" dirty="0" err="1">
+                <a:latin typeface="Courier"/>
+                <a:cs typeface="Courier"/>
+              </a:rPr>
+              <a:t>rubygems.org</a:t>
+            </a:r>
+            <a:r>
+              <a:rPr lang="en-US" sz="2800" dirty="0" smtClean="0">
+                <a:latin typeface="Courier"/>
+                <a:cs typeface="Courier"/>
+              </a:rPr>
+              <a:t>/</a:t>
+            </a:r>
+            <a:endParaRPr lang="en-US" sz="2800" dirty="0">
+              <a:latin typeface="Courier"/>
+              <a:cs typeface="Courier"/>
+            </a:endParaRPr>
+          </a:p>
+          <a:p>
+            <a:pPr marL="0" indent="0">
+              <a:buNone/>
+            </a:pPr>
+            <a:r>
+              <a:rPr lang="en-US" sz="2800" dirty="0" smtClean="0">
+                <a:latin typeface="Courier"/>
+                <a:cs typeface="Courier"/>
+              </a:rPr>
+              <a:t>$ </a:t>
+            </a:r>
+            <a:r>
+              <a:rPr lang="en-US" sz="2800" dirty="0" smtClean="0">
+                <a:solidFill>
+                  <a:srgbClr val="FF0000"/>
+                </a:solidFill>
+                <a:latin typeface="Courier"/>
+                <a:cs typeface="Courier"/>
+              </a:rPr>
+              <a:t>gem </a:t>
+            </a:r>
+            <a:r>
+              <a:rPr lang="en-US" sz="2800" dirty="0">
+                <a:solidFill>
+                  <a:srgbClr val="FF0000"/>
+                </a:solidFill>
+                <a:latin typeface="Courier"/>
+                <a:cs typeface="Courier"/>
+              </a:rPr>
+              <a:t>source -a http://</a:t>
+            </a:r>
+            <a:r>
+              <a:rPr lang="en-US" sz="2800" dirty="0" err="1">
+                <a:solidFill>
+                  <a:srgbClr val="FF0000"/>
+                </a:solidFill>
+                <a:latin typeface="Courier"/>
+                <a:cs typeface="Courier"/>
+              </a:rPr>
+              <a:t>rubygems.org</a:t>
+            </a:r>
+            <a:r>
+              <a:rPr lang="en-US" sz="2800" dirty="0">
+                <a:solidFill>
+                  <a:srgbClr val="FF0000"/>
+                </a:solidFill>
+                <a:latin typeface="Courier"/>
+                <a:cs typeface="Courier"/>
+              </a:rPr>
+              <a:t>/</a:t>
+            </a:r>
+          </a:p>
+          <a:p>
+            <a:pPr marL="0" indent="0">
+              <a:buNone/>
+            </a:pPr>
+            <a:r>
+              <a:rPr lang="en-US" sz="2800" dirty="0">
+                <a:latin typeface="Courier"/>
+                <a:cs typeface="Courier"/>
+              </a:rPr>
+              <a:t>$ </a:t>
+            </a:r>
+            <a:r>
+              <a:rPr lang="en-US" sz="2800" dirty="0">
+                <a:solidFill>
+                  <a:srgbClr val="FF0000"/>
+                </a:solidFill>
+                <a:latin typeface="Courier"/>
+                <a:cs typeface="Courier"/>
+              </a:rPr>
+              <a:t>gem source -r https://</a:t>
+            </a:r>
+            <a:r>
+              <a:rPr lang="en-US" sz="2800" dirty="0" err="1">
+                <a:solidFill>
+                  <a:srgbClr val="FF0000"/>
+                </a:solidFill>
+                <a:latin typeface="Courier"/>
+                <a:cs typeface="Courier"/>
+              </a:rPr>
+              <a:t>rubygems.org</a:t>
+            </a:r>
+            <a:r>
+              <a:rPr lang="en-US" sz="2800" dirty="0">
+                <a:solidFill>
+                  <a:srgbClr val="FF0000"/>
+                </a:solidFill>
+                <a:latin typeface="Courier"/>
+                <a:cs typeface="Courier"/>
+              </a:rPr>
+              <a:t>/</a:t>
+            </a:r>
+          </a:p>
+          <a:p>
+            <a:pPr marL="0" indent="0">
+              <a:buNone/>
+            </a:pPr>
+            <a:r>
+              <a:rPr lang="en-US" sz="2800" dirty="0" smtClean="0">
+                <a:latin typeface="Courier"/>
+                <a:cs typeface="Courier"/>
+              </a:rPr>
+              <a:t>$ </a:t>
+            </a:r>
+            <a:r>
+              <a:rPr lang="en-US" sz="2800" dirty="0">
+                <a:solidFill>
+                  <a:srgbClr val="FF0000"/>
+                </a:solidFill>
+                <a:latin typeface="Courier"/>
+                <a:cs typeface="Courier"/>
+              </a:rPr>
+              <a:t>gem sources -l</a:t>
+            </a:r>
+          </a:p>
+          <a:p>
+            <a:pPr marL="0" indent="0">
+              <a:buNone/>
+            </a:pPr>
+            <a:r>
+              <a:rPr lang="en-US" sz="2800" dirty="0">
+                <a:latin typeface="Courier"/>
+                <a:cs typeface="Courier"/>
+              </a:rPr>
+              <a:t>*** CURRENT SOURCES **</a:t>
+            </a:r>
+            <a:r>
+              <a:rPr lang="en-US" sz="2800" dirty="0" smtClean="0">
+                <a:latin typeface="Courier"/>
+                <a:cs typeface="Courier"/>
+              </a:rPr>
+              <a:t>*</a:t>
+            </a:r>
+            <a:endParaRPr lang="en-US" sz="2800" dirty="0">
+              <a:latin typeface="Courier"/>
+              <a:cs typeface="Courier"/>
+            </a:endParaRPr>
+          </a:p>
+          <a:p>
+            <a:pPr marL="0" indent="0">
+              <a:buNone/>
+            </a:pPr>
+            <a:r>
+              <a:rPr lang="en-US" sz="2800" dirty="0">
+                <a:latin typeface="Courier"/>
+                <a:cs typeface="Courier"/>
+              </a:rPr>
+              <a:t>http://</a:t>
+            </a:r>
+            <a:r>
+              <a:rPr lang="en-US" sz="2800" dirty="0" err="1">
+                <a:latin typeface="Courier"/>
+                <a:cs typeface="Courier"/>
+              </a:rPr>
+              <a:t>rubygems.org</a:t>
+            </a:r>
+            <a:r>
+              <a:rPr lang="en-US" sz="2800" dirty="0" smtClean="0">
+                <a:latin typeface="Courier"/>
+                <a:cs typeface="Courier"/>
+              </a:rPr>
+              <a:t>/</a:t>
+            </a:r>
+            <a:endParaRPr lang="en-US" sz="2800" dirty="0">
+              <a:latin typeface="Courier"/>
+              <a:cs typeface="Courier"/>
+            </a:endParaRPr>
+          </a:p>
+        </p:txBody>
+      </p:sp>
+    </p:spTree>
+    <p:extLst>
+      <p:ext uri="{BB962C8B-B14F-4D97-AF65-F5344CB8AC3E}">
+        <p14:creationId xmlns:p14="http://schemas.microsoft.com/office/powerpoint/2010/main" val="2770428400"/>
+      </p:ext>
+    </p:extLst>
+  </p:cSld>
+  <p:clrMapOvr>
+    <a:masterClrMapping/>
+  </p:clrMapOvr>
+  <mc:AlternateContent xmlns:mc="http://schemas.openxmlformats.org/markup-compatibility/2006">
+    <mc:Choice xmlns:p14="http://schemas.microsoft.com/office/powerpoint/2010/main" Requires="p14">
+      <p:transition spd="slow" p14:dur="2000"/>
+    </mc:Choice>
+    <mc:Fallback>
+      <p:transition spd="slow"/>
+    </mc:Fallback>
+  </mc:AlternateContent>
+</p:sld>
+</file>
+
+<file path=ppt/slides/slide15.xml><?xml version="1.0" encoding="utf-8"?>
+<p:sld xmlns:a="http://schemas.openxmlformats.org/drawingml/2006/main" xmlns:r="http://schemas.openxmlformats.org/officeDocument/2006/relationships" xmlns:p="http://schemas.openxmlformats.org/presentationml/2006/main" show="0">
+  <p:cSld>
+    <p:spTree>
+      <p:nvGrpSpPr>
+        <p:cNvPr id="1" name=""/>
+        <p:cNvGrpSpPr/>
+        <p:nvPr/>
+      </p:nvGrpSpPr>
+      <p:grpSpPr>
+        <a:xfrm>
+          <a:off x="0" y="0"/>
+          <a:ext cx="0" cy="0"/>
+          <a:chOff x="0" y="0"/>
+          <a:chExt cx="0" cy="0"/>
+        </a:xfrm>
+      </p:grpSpPr>
+      <p:sp>
+        <p:nvSpPr>
+          <p:cNvPr id="2" name="Title 1"/>
+          <p:cNvSpPr>
+            <a:spLocks noGrp="1"/>
+          </p:cNvSpPr>
+          <p:nvPr>
+            <p:ph type="title"/>
+          </p:nvPr>
+        </p:nvSpPr>
+        <p:spPr/>
+        <p:txBody>
           <a:bodyPr>
             <a:normAutofit fontScale="90000"/>
           </a:bodyPr>
@@ -3521,137 +3922,9 @@
       <p:transition spd="slow" p14:dur="2000"/>
     </mc:Choice>
     <mc:Fallback>
-      <p:transition xmlns:p14="http://schemas.microsoft.com/office/powerpoint/2010/main" spd="slow"/>
+      <p:transition spd="slow"/>
     </mc:Fallback>
   </mc:AlternateContent>
-</p:sld>
-</file>
-
-<file path=ppt/slides/slide15.xml><?xml version="1.0" encoding="utf-8"?>
-<p:sld xmlns:a="http://schemas.openxmlformats.org/drawingml/2006/main" xmlns:r="http://schemas.openxmlformats.org/officeDocument/2006/relationships" xmlns:p="http://schemas.openxmlformats.org/presentationml/2006/main">
-  <p:cSld>
-    <p:spTree>
-      <p:nvGrpSpPr>
-        <p:cNvPr id="1" name=""/>
-        <p:cNvGrpSpPr/>
-        <p:nvPr/>
-      </p:nvGrpSpPr>
-      <p:grpSpPr>
-        <a:xfrm>
-          <a:off x="0" y="0"/>
-          <a:ext cx="0" cy="0"/>
-          <a:chOff x="0" y="0"/>
-          <a:chExt cx="0" cy="0"/>
-        </a:xfrm>
-      </p:grpSpPr>
-      <p:sp>
-        <p:nvSpPr>
-          <p:cNvPr id="2" name="Title 1"/>
-          <p:cNvSpPr>
-            <a:spLocks noGrp="1"/>
-          </p:cNvSpPr>
-          <p:nvPr>
-            <p:ph type="title"/>
-          </p:nvPr>
-        </p:nvSpPr>
-        <p:spPr/>
-        <p:txBody>
-          <a:bodyPr/>
-          <a:lstStyle/>
-          <a:p>
-            <a:r>
-              <a:rPr lang="en-US" dirty="0" smtClean="0"/>
-              <a:t>MVC</a:t>
-            </a:r>
-            <a:endParaRPr lang="en-US" dirty="0"/>
-          </a:p>
-        </p:txBody>
-      </p:sp>
-      <p:sp>
-        <p:nvSpPr>
-          <p:cNvPr id="3" name="Content Placeholder 2"/>
-          <p:cNvSpPr>
-            <a:spLocks noGrp="1"/>
-          </p:cNvSpPr>
-          <p:nvPr>
-            <p:ph idx="1"/>
-          </p:nvPr>
-        </p:nvSpPr>
-        <p:spPr/>
-        <p:txBody>
-          <a:bodyPr/>
-          <a:lstStyle/>
-          <a:p>
-            <a:r>
-              <a:rPr lang="en-US" dirty="0" smtClean="0"/>
-              <a:t>The default way to create user-interactive applications</a:t>
-            </a:r>
-          </a:p>
-          <a:p>
-            <a:r>
-              <a:rPr lang="en-US" dirty="0" smtClean="0"/>
-              <a:t>Created in 1979 by </a:t>
-            </a:r>
-            <a:r>
-              <a:rPr lang="en-US" dirty="0" err="1" smtClean="0"/>
-              <a:t>Trygve</a:t>
-            </a:r>
-            <a:r>
-              <a:rPr lang="en-US" dirty="0" smtClean="0"/>
-              <a:t> </a:t>
-            </a:r>
-            <a:r>
-              <a:rPr lang="en-US" dirty="0" err="1" smtClean="0"/>
-              <a:t>Reenskaug</a:t>
-            </a:r>
-            <a:endParaRPr lang="en-US" dirty="0" smtClean="0"/>
-          </a:p>
-          <a:p>
-            <a:r>
-              <a:rPr lang="en-US" dirty="0" smtClean="0"/>
-              <a:t>Model</a:t>
-            </a:r>
-          </a:p>
-          <a:p>
-            <a:pPr lvl="1"/>
-            <a:r>
-              <a:rPr lang="en-US" dirty="0" smtClean="0"/>
-              <a:t>Keeps track of state (session and longer)</a:t>
-            </a:r>
-          </a:p>
-          <a:p>
-            <a:pPr lvl="1"/>
-            <a:r>
-              <a:rPr lang="en-US" dirty="0" smtClean="0"/>
-              <a:t>Persistence, often via database</a:t>
-            </a:r>
-          </a:p>
-          <a:p>
-            <a:pPr lvl="1"/>
-            <a:r>
-              <a:rPr lang="en-US" dirty="0" smtClean="0"/>
-              <a:t>Enforces consistency</a:t>
-            </a:r>
-          </a:p>
-        </p:txBody>
-      </p:sp>
-    </p:spTree>
-    <p:extLst>
-      <p:ext uri="{BB962C8B-B14F-4D97-AF65-F5344CB8AC3E}">
-        <p14:creationId xmlns:p14="http://schemas.microsoft.com/office/powerpoint/2010/main" val="743135776"/>
-      </p:ext>
-    </p:extLst>
-  </p:cSld>
-  <p:clrMapOvr>
-    <a:masterClrMapping/>
-  </p:clrMapOvr>
-  <p:timing>
-    <p:tnLst>
-      <p:par>
-        <p:cTn xmlns:p14="http://schemas.microsoft.com/office/powerpoint/2010/main" id="1" dur="indefinite" restart="never" nodeType="tmRoot"/>
-      </p:par>
-    </p:tnLst>
-  </p:timing>
 </p:sld>
 </file>
 
@@ -3689,7 +3962,143 @@
           <a:p>
             <a:r>
               <a:rPr lang="en-US" dirty="0" smtClean="0"/>
-              <a:t>MVC Continued</a:t>
+              <a:t>Model-View-Controller (MVC)</a:t>
+            </a:r>
+            <a:endParaRPr lang="en-US" dirty="0"/>
+          </a:p>
+        </p:txBody>
+      </p:sp>
+      <p:sp>
+        <p:nvSpPr>
+          <p:cNvPr id="3" name="Content Placeholder 2"/>
+          <p:cNvSpPr>
+            <a:spLocks noGrp="1"/>
+          </p:cNvSpPr>
+          <p:nvPr>
+            <p:ph idx="1"/>
+          </p:nvPr>
+        </p:nvSpPr>
+        <p:spPr/>
+        <p:txBody>
+          <a:bodyPr/>
+          <a:lstStyle/>
+          <a:p>
+            <a:r>
+              <a:rPr lang="en-US" dirty="0" smtClean="0"/>
+              <a:t>The default way to create user-interactive applications</a:t>
+            </a:r>
+          </a:p>
+          <a:p>
+            <a:r>
+              <a:rPr lang="en-US" dirty="0" smtClean="0"/>
+              <a:t>Created in 1979 by </a:t>
+            </a:r>
+            <a:r>
+              <a:rPr lang="en-US" dirty="0" err="1" smtClean="0"/>
+              <a:t>Trygve</a:t>
+            </a:r>
+            <a:r>
+              <a:rPr lang="en-US" dirty="0" smtClean="0"/>
+              <a:t> </a:t>
+            </a:r>
+            <a:r>
+              <a:rPr lang="en-US" dirty="0" err="1" smtClean="0"/>
+              <a:t>Reenskaug</a:t>
+            </a:r>
+            <a:endParaRPr lang="en-US" dirty="0" smtClean="0"/>
+          </a:p>
+          <a:p>
+            <a:r>
+              <a:rPr lang="en-US" dirty="0" smtClean="0"/>
+              <a:t>Model</a:t>
+            </a:r>
+          </a:p>
+          <a:p>
+            <a:pPr lvl="1"/>
+            <a:r>
+              <a:rPr lang="en-US" dirty="0" smtClean="0"/>
+              <a:t>Keeps track of state (session and longer)</a:t>
+            </a:r>
+          </a:p>
+          <a:p>
+            <a:pPr lvl="1"/>
+            <a:r>
+              <a:rPr lang="en-US" dirty="0" smtClean="0"/>
+              <a:t>Persistence, often via </a:t>
+            </a:r>
+            <a:r>
+              <a:rPr lang="en-US" i="1" dirty="0" smtClean="0"/>
+              <a:t>database</a:t>
+            </a:r>
+          </a:p>
+          <a:p>
+            <a:pPr lvl="1"/>
+            <a:r>
+              <a:rPr lang="en-US" dirty="0" smtClean="0"/>
+              <a:t>Enforces consistency</a:t>
+            </a:r>
+          </a:p>
+        </p:txBody>
+      </p:sp>
+    </p:spTree>
+    <p:extLst>
+      <p:ext uri="{BB962C8B-B14F-4D97-AF65-F5344CB8AC3E}">
+        <p14:creationId xmlns:p14="http://schemas.microsoft.com/office/powerpoint/2010/main" val="743135776"/>
+      </p:ext>
+    </p:extLst>
+  </p:cSld>
+  <p:clrMapOvr>
+    <a:masterClrMapping/>
+  </p:clrMapOvr>
+  <p:timing>
+    <p:tnLst>
+      <p:par>
+        <p:cTn id="1" dur="indefinite" restart="never" nodeType="tmRoot"/>
+      </p:par>
+    </p:tnLst>
+  </p:timing>
+</p:sld>
+</file>
+
+<file path=ppt/slides/slide17.xml><?xml version="1.0" encoding="utf-8"?>
+<p:sld xmlns:a="http://schemas.openxmlformats.org/drawingml/2006/main" xmlns:r="http://schemas.openxmlformats.org/officeDocument/2006/relationships" xmlns:p="http://schemas.openxmlformats.org/presentationml/2006/main">
+  <p:cSld>
+    <p:spTree>
+      <p:nvGrpSpPr>
+        <p:cNvPr id="1" name=""/>
+        <p:cNvGrpSpPr/>
+        <p:nvPr/>
+      </p:nvGrpSpPr>
+      <p:grpSpPr>
+        <a:xfrm>
+          <a:off x="0" y="0"/>
+          <a:ext cx="0" cy="0"/>
+          <a:chOff x="0" y="0"/>
+          <a:chExt cx="0" cy="0"/>
+        </a:xfrm>
+      </p:grpSpPr>
+      <p:sp>
+        <p:nvSpPr>
+          <p:cNvPr id="2" name="Title 1"/>
+          <p:cNvSpPr>
+            <a:spLocks noGrp="1"/>
+          </p:cNvSpPr>
+          <p:nvPr>
+            <p:ph type="title"/>
+          </p:nvPr>
+        </p:nvSpPr>
+        <p:spPr/>
+        <p:txBody>
+          <a:bodyPr/>
+          <a:lstStyle/>
+          <a:p>
+            <a:r>
+              <a:rPr lang="en-US" dirty="0" smtClean="0"/>
+              <a:t>MVC </a:t>
+            </a:r>
+            <a:r>
+              <a:rPr lang="en-US" dirty="0" smtClean="0"/>
+              <a:t>(Cont’d)</a:t>
             </a:r>
             <a:endParaRPr lang="en-US" dirty="0"/>
           </a:p>
@@ -3764,14 +4173,14 @@
   <p:timing>
     <p:tnLst>
       <p:par>
-        <p:cTn xmlns:p14="http://schemas.microsoft.com/office/powerpoint/2010/main" id="1" dur="indefinite" restart="never" nodeType="tmRoot"/>
+        <p:cTn id="1" dur="indefinite" restart="never" nodeType="tmRoot"/>
       </p:par>
     </p:tnLst>
   </p:timing>
 </p:sld>
 </file>
 
-<file path=ppt/slides/slide17.xml><?xml version="1.0" encoding="utf-8"?>
+<file path=ppt/slides/slide18.xml><?xml version="1.0" encoding="utf-8"?>
 <p:sld xmlns:a="http://schemas.openxmlformats.org/drawingml/2006/main" xmlns:r="http://schemas.openxmlformats.org/officeDocument/2006/relationships" xmlns:p="http://schemas.openxmlformats.org/presentationml/2006/main">
   <p:cSld>
     <p:spTree>
@@ -3849,116 +4258,7 @@
   <p:timing>
     <p:tnLst>
       <p:par>
-        <p:cTn xmlns:p14="http://schemas.microsoft.com/office/powerpoint/2010/main" id="1" dur="indefinite" restart="never" nodeType="tmRoot"/>
-      </p:par>
-    </p:tnLst>
-  </p:timing>
-</p:sld>
-</file>
-
-<file path=ppt/slides/slide18.xml><?xml version="1.0" encoding="utf-8"?>
-<p:sld xmlns:a="http://schemas.openxmlformats.org/drawingml/2006/main" xmlns:r="http://schemas.openxmlformats.org/officeDocument/2006/relationships" xmlns:p="http://schemas.openxmlformats.org/presentationml/2006/main">
-  <p:cSld>
-    <p:spTree>
-      <p:nvGrpSpPr>
-        <p:cNvPr id="1" name=""/>
-        <p:cNvGrpSpPr/>
-        <p:nvPr/>
-      </p:nvGrpSpPr>
-      <p:grpSpPr>
-        <a:xfrm>
-          <a:off x="0" y="0"/>
-          <a:ext cx="0" cy="0"/>
-          <a:chOff x="0" y="0"/>
-          <a:chExt cx="0" cy="0"/>
-        </a:xfrm>
-      </p:grpSpPr>
-      <p:sp>
-        <p:nvSpPr>
-          <p:cNvPr id="2" name="Title 1"/>
-          <p:cNvSpPr>
-            <a:spLocks noGrp="1"/>
-          </p:cNvSpPr>
-          <p:nvPr>
-            <p:ph type="title"/>
-          </p:nvPr>
-        </p:nvSpPr>
-        <p:spPr/>
-        <p:txBody>
-          <a:bodyPr/>
-          <a:lstStyle/>
-          <a:p>
-            <a:r>
-              <a:rPr lang="en-US" dirty="0" smtClean="0"/>
-              <a:t>MVC Continued</a:t>
-            </a:r>
-            <a:endParaRPr lang="en-US" dirty="0"/>
-          </a:p>
-        </p:txBody>
-      </p:sp>
-      <p:sp>
-        <p:nvSpPr>
-          <p:cNvPr id="3" name="Content Placeholder 2"/>
-          <p:cNvSpPr>
-            <a:spLocks noGrp="1"/>
-          </p:cNvSpPr>
-          <p:nvPr>
-            <p:ph idx="1"/>
-          </p:nvPr>
-        </p:nvSpPr>
-        <p:spPr/>
-        <p:txBody>
-          <a:bodyPr/>
-          <a:lstStyle/>
-          <a:p>
-            <a:r>
-              <a:rPr lang="en-US" dirty="0" smtClean="0"/>
-              <a:t>Important concept: separation of concerns</a:t>
-            </a:r>
-          </a:p>
-          <a:p>
-            <a:r>
-              <a:rPr lang="en-US" dirty="0" smtClean="0"/>
-              <a:t>DB shouldn’t worry about how data are displayed</a:t>
-            </a:r>
-          </a:p>
-          <a:p>
-            <a:pPr lvl="1"/>
-            <a:r>
-              <a:rPr lang="en-US" dirty="0" smtClean="0"/>
-              <a:t>Display technology can change without affecting any other part of app</a:t>
-            </a:r>
-          </a:p>
-          <a:p>
-            <a:pPr lvl="1"/>
-            <a:r>
-              <a:rPr lang="en-US" dirty="0" smtClean="0"/>
-              <a:t>Can add JavaScript, etc.</a:t>
-            </a:r>
-          </a:p>
-          <a:p>
-            <a:r>
-              <a:rPr lang="en-US" dirty="0" smtClean="0"/>
-              <a:t>Business logic in only one place</a:t>
-            </a:r>
-            <a:endParaRPr lang="en-US" dirty="0"/>
-          </a:p>
-        </p:txBody>
-      </p:sp>
-    </p:spTree>
-    <p:extLst>
-      <p:ext uri="{BB962C8B-B14F-4D97-AF65-F5344CB8AC3E}">
-        <p14:creationId xmlns:p14="http://schemas.microsoft.com/office/powerpoint/2010/main" val="2720167837"/>
-      </p:ext>
-    </p:extLst>
-  </p:cSld>
-  <p:clrMapOvr>
-    <a:masterClrMapping/>
-  </p:clrMapOvr>
-  <p:timing>
-    <p:tnLst>
-      <p:par>
-        <p:cTn xmlns:p14="http://schemas.microsoft.com/office/powerpoint/2010/main" id="1" dur="indefinite" restart="never" nodeType="tmRoot"/>
+        <p:cTn id="1" dur="indefinite" restart="never" nodeType="tmRoot"/>
       </p:par>
     </p:tnLst>
   </p:timing>
@@ -3999,7 +4299,11 @@
           <a:p>
             <a:r>
               <a:rPr lang="en-US" dirty="0" smtClean="0"/>
-              <a:t>Separation of Concerns</a:t>
+              <a:t>MVC </a:t>
+            </a:r>
+            <a:r>
+              <a:rPr lang="en-US" dirty="0" smtClean="0"/>
+              <a:t>(Cont’d)</a:t>
             </a:r>
             <a:endParaRPr lang="en-US" dirty="0"/>
           </a:p>
@@ -4022,27 +4326,42 @@
           <a:p>
             <a:r>
               <a:rPr lang="en-US" dirty="0" smtClean="0"/>
-              <a:t>Code/text only addresses one aspect of app</a:t>
-            </a:r>
-          </a:p>
-          <a:p>
-            <a:r>
-              <a:rPr lang="en-US" dirty="0" smtClean="0"/>
-              <a:t>Easier to write, maintain, document, debug</a:t>
-            </a:r>
-          </a:p>
-          <a:p>
-            <a:r>
-              <a:rPr lang="en-US" dirty="0" smtClean="0"/>
-              <a:t>Rails essentially enforces MVC to a certain extent</a:t>
-            </a:r>
+              <a:t>Important concept: separation of concerns</a:t>
+            </a:r>
+          </a:p>
+          <a:p>
+            <a:r>
+              <a:rPr lang="en-US" dirty="0" smtClean="0"/>
+              <a:t>DB shouldn’t worry about how data are displayed</a:t>
+            </a:r>
+          </a:p>
+          <a:p>
+            <a:pPr lvl="1"/>
+            <a:r>
+              <a:rPr lang="en-US" dirty="0" smtClean="0"/>
+              <a:t>Display technology can change without affecting any other part of app</a:t>
+            </a:r>
+          </a:p>
+          <a:p>
+            <a:pPr lvl="1"/>
+            <a:r>
+              <a:rPr lang="en-US" dirty="0" smtClean="0"/>
+              <a:t>Can add JavaScript, etc.</a:t>
+            </a:r>
+          </a:p>
+          <a:p>
+            <a:r>
+              <a:rPr lang="en-US" dirty="0" smtClean="0"/>
+              <a:t>Business logic in only one place</a:t>
+            </a:r>
+            <a:endParaRPr lang="en-US" dirty="0"/>
           </a:p>
         </p:txBody>
       </p:sp>
     </p:spTree>
     <p:extLst>
       <p:ext uri="{BB962C8B-B14F-4D97-AF65-F5344CB8AC3E}">
-        <p14:creationId xmlns:p14="http://schemas.microsoft.com/office/powerpoint/2010/main" val="1028772613"/>
+        <p14:creationId xmlns:p14="http://schemas.microsoft.com/office/powerpoint/2010/main" val="2720167837"/>
       </p:ext>
     </p:extLst>
   </p:cSld>
@@ -4052,7 +4371,7 @@
   <p:timing>
     <p:tnLst>
       <p:par>
-        <p:cTn xmlns:p14="http://schemas.microsoft.com/office/powerpoint/2010/main" id="1" dur="indefinite" restart="never" nodeType="tmRoot"/>
+        <p:cTn id="1" dur="indefinite" restart="never" nodeType="tmRoot"/>
       </p:par>
     </p:tnLst>
   </p:timing>
@@ -4133,33 +4452,33 @@
           <a:p>
             <a:r>
               <a:rPr lang="en-US" dirty="0" smtClean="0"/>
-              <a:t>Linux: gnome terminal, etc</a:t>
-            </a:r>
-            <a:r>
-              <a:rPr lang="en-US" dirty="0" smtClean="0"/>
-              <a:t>.</a:t>
-            </a:r>
-          </a:p>
-          <a:p>
-            <a:r>
-              <a:rPr lang="en-US" dirty="0"/>
+              <a:t>Linux: gnome terminal, etc.</a:t>
+            </a:r>
+          </a:p>
+          <a:p>
+            <a:r>
+              <a:rPr lang="en-US" dirty="0">
+                <a:hlinkClick r:id="rId2"/>
+              </a:rPr>
               <a:t>http://</a:t>
             </a:r>
             <a:r>
-              <a:rPr lang="en-US" dirty="0" err="1"/>
+              <a:rPr lang="en-US" dirty="0" err="1" smtClean="0">
+                <a:hlinkClick r:id="rId2"/>
+              </a:rPr>
               <a:t>www.pragtob.info</a:t>
             </a:r>
             <a:r>
-              <a:rPr lang="en-US" dirty="0"/>
+              <a:rPr lang="en-US" dirty="0" smtClean="0">
+                <a:hlinkClick r:id="rId2"/>
+              </a:rPr>
               <a:t>/rails-beginner-</a:t>
             </a:r>
             <a:r>
-              <a:rPr lang="en-US" dirty="0" err="1"/>
+              <a:rPr lang="en-US" dirty="0" err="1" smtClean="0">
+                <a:hlinkClick r:id="rId2"/>
+              </a:rPr>
               <a:t>cheatsheet</a:t>
-            </a:r>
-            <a:r>
-              <a:rPr lang="en-US" dirty="0"/>
-              <a:t>/</a:t>
             </a:r>
             <a:endParaRPr lang="en-US" dirty="0"/>
           </a:p>
@@ -4212,7 +4531,7 @@
           <a:p>
             <a:r>
               <a:rPr lang="en-US" dirty="0" smtClean="0"/>
-              <a:t>Scaffolding</a:t>
+              <a:t>Separation of Concerns</a:t>
             </a:r>
             <a:endParaRPr lang="en-US" dirty="0"/>
           </a:p>
@@ -4234,21 +4553,28 @@
           <a:lstStyle/>
           <a:p>
             <a:r>
-              <a:rPr lang="en-US" dirty="0"/>
-              <a:t>A scaffold in Rails is a full set of model, database migration for that model, controller to manipulate it, views to view and manipulate the data, and a test suite for each of the </a:t>
-            </a:r>
-            <a:r>
-              <a:rPr lang="en-US" dirty="0" smtClean="0"/>
-              <a:t>above.</a:t>
-            </a:r>
-            <a:endParaRPr lang="en-US" dirty="0"/>
+              <a:rPr lang="en-US" dirty="0" smtClean="0"/>
+              <a:t>Code/text only addresses one aspect of app</a:t>
+            </a:r>
+          </a:p>
+          <a:p>
+            <a:r>
+              <a:rPr lang="en-US" dirty="0" smtClean="0"/>
+              <a:t>Easier to write, maintain, document, debug</a:t>
+            </a:r>
+          </a:p>
+          <a:p>
+            <a:r>
+              <a:rPr lang="en-US" dirty="0" smtClean="0"/>
+              <a:t>Rails essentially enforces MVC to a certain extent</a:t>
+            </a:r>
           </a:p>
         </p:txBody>
       </p:sp>
     </p:spTree>
     <p:extLst>
       <p:ext uri="{BB962C8B-B14F-4D97-AF65-F5344CB8AC3E}">
-        <p14:creationId xmlns:p14="http://schemas.microsoft.com/office/powerpoint/2010/main" val="21126070"/>
+        <p14:creationId xmlns:p14="http://schemas.microsoft.com/office/powerpoint/2010/main" val="1028772613"/>
       </p:ext>
     </p:extLst>
   </p:cSld>
@@ -4258,7 +4584,7 @@
   <p:timing>
     <p:tnLst>
       <p:par>
-        <p:cTn xmlns:p14="http://schemas.microsoft.com/office/powerpoint/2010/main" id="1" dur="indefinite" restart="never" nodeType="tmRoot"/>
+        <p:cTn id="1" dur="indefinite" restart="never" nodeType="tmRoot"/>
       </p:par>
     </p:tnLst>
   </p:timing>
@@ -4298,6 +4624,169 @@
           <a:lstStyle/>
           <a:p>
             <a:r>
+              <a:rPr lang="en-US" dirty="0" err="1" smtClean="0"/>
+              <a:t>RoR</a:t>
+            </a:r>
+            <a:r>
+              <a:rPr lang="en-US" dirty="0" smtClean="0"/>
+              <a:t> Scaffolding</a:t>
+            </a:r>
+            <a:endParaRPr lang="en-US" dirty="0"/>
+          </a:p>
+        </p:txBody>
+      </p:sp>
+      <p:sp>
+        <p:nvSpPr>
+          <p:cNvPr id="3" name="Content Placeholder 2"/>
+          <p:cNvSpPr>
+            <a:spLocks noGrp="1"/>
+          </p:cNvSpPr>
+          <p:nvPr>
+            <p:ph idx="1"/>
+          </p:nvPr>
+        </p:nvSpPr>
+        <p:spPr/>
+        <p:txBody>
+          <a:bodyPr/>
+          <a:lstStyle/>
+          <a:p>
+            <a:r>
+              <a:rPr lang="en-US" dirty="0"/>
+              <a:t>A scaffold in Rails is a full set </a:t>
+            </a:r>
+            <a:r>
+              <a:rPr lang="en-US" dirty="0" smtClean="0"/>
+              <a:t>of: </a:t>
+            </a:r>
+          </a:p>
+          <a:p>
+            <a:pPr lvl="1"/>
+            <a:r>
+              <a:rPr lang="en-US" dirty="0" smtClean="0"/>
+              <a:t>model</a:t>
+            </a:r>
+          </a:p>
+          <a:p>
+            <a:pPr lvl="1"/>
+            <a:r>
+              <a:rPr lang="en-US" dirty="0" smtClean="0"/>
+              <a:t>database </a:t>
+            </a:r>
+            <a:r>
+              <a:rPr lang="en-US" dirty="0"/>
+              <a:t>migration for </a:t>
+            </a:r>
+            <a:r>
+              <a:rPr lang="en-US" dirty="0" smtClean="0"/>
+              <a:t>the model</a:t>
+            </a:r>
+          </a:p>
+          <a:p>
+            <a:pPr lvl="1"/>
+            <a:r>
+              <a:rPr lang="en-US" dirty="0" smtClean="0"/>
+              <a:t>controller </a:t>
+            </a:r>
+            <a:r>
+              <a:rPr lang="en-US" dirty="0"/>
+              <a:t>to manipulate </a:t>
+            </a:r>
+            <a:r>
+              <a:rPr lang="en-US" dirty="0" smtClean="0"/>
+              <a:t>the </a:t>
+            </a:r>
+            <a:r>
+              <a:rPr lang="en-US" dirty="0" smtClean="0"/>
+              <a:t>model</a:t>
+            </a:r>
+            <a:endParaRPr lang="en-US" dirty="0" smtClean="0"/>
+          </a:p>
+          <a:p>
+            <a:pPr lvl="1"/>
+            <a:r>
+              <a:rPr lang="en-US" dirty="0" smtClean="0"/>
+              <a:t>views </a:t>
+            </a:r>
+            <a:r>
+              <a:rPr lang="en-US" dirty="0"/>
+              <a:t>to view and manipulate the </a:t>
+            </a:r>
+            <a:r>
+              <a:rPr lang="en-US" dirty="0" smtClean="0"/>
+              <a:t>data</a:t>
+            </a:r>
+          </a:p>
+          <a:p>
+            <a:pPr lvl="1"/>
+            <a:r>
+              <a:rPr lang="en-US" dirty="0" smtClean="0"/>
+              <a:t>test </a:t>
+            </a:r>
+            <a:r>
+              <a:rPr lang="en-US" dirty="0"/>
+              <a:t>suite for each of the </a:t>
+            </a:r>
+            <a:r>
+              <a:rPr lang="en-US" dirty="0" smtClean="0"/>
+              <a:t>above</a:t>
+            </a:r>
+            <a:endParaRPr lang="en-US" dirty="0"/>
+          </a:p>
+        </p:txBody>
+      </p:sp>
+    </p:spTree>
+    <p:extLst>
+      <p:ext uri="{BB962C8B-B14F-4D97-AF65-F5344CB8AC3E}">
+        <p14:creationId xmlns:p14="http://schemas.microsoft.com/office/powerpoint/2010/main" val="21126070"/>
+      </p:ext>
+    </p:extLst>
+  </p:cSld>
+  <p:clrMapOvr>
+    <a:masterClrMapping/>
+  </p:clrMapOvr>
+  <p:timing>
+    <p:tnLst>
+      <p:par>
+        <p:cTn id="1" dur="indefinite" restart="never" nodeType="tmRoot"/>
+      </p:par>
+    </p:tnLst>
+  </p:timing>
+</p:sld>
+</file>
+
+<file path=ppt/slides/slide22.xml><?xml version="1.0" encoding="utf-8"?>
+<p:sld xmlns:a="http://schemas.openxmlformats.org/drawingml/2006/main" xmlns:r="http://schemas.openxmlformats.org/officeDocument/2006/relationships" xmlns:p="http://schemas.openxmlformats.org/presentationml/2006/main">
+  <p:cSld>
+    <p:spTree>
+      <p:nvGrpSpPr>
+        <p:cNvPr id="1" name=""/>
+        <p:cNvGrpSpPr/>
+        <p:nvPr/>
+      </p:nvGrpSpPr>
+      <p:grpSpPr>
+        <a:xfrm>
+          <a:off x="0" y="0"/>
+          <a:ext cx="0" cy="0"/>
+          <a:chOff x="0" y="0"/>
+          <a:chExt cx="0" cy="0"/>
+        </a:xfrm>
+      </p:grpSpPr>
+      <p:sp>
+        <p:nvSpPr>
+          <p:cNvPr id="2" name="Title 1"/>
+          <p:cNvSpPr>
+            <a:spLocks noGrp="1"/>
+          </p:cNvSpPr>
+          <p:nvPr>
+            <p:ph type="title"/>
+          </p:nvPr>
+        </p:nvSpPr>
+        <p:spPr/>
+        <p:txBody>
+          <a:bodyPr/>
+          <a:lstStyle/>
+          <a:p>
+            <a:r>
               <a:rPr lang="en-US" dirty="0" smtClean="0"/>
               <a:t>Types</a:t>
             </a:r>
@@ -4439,14 +4928,14 @@
   <p:timing>
     <p:tnLst>
       <p:par>
-        <p:cTn xmlns:p14="http://schemas.microsoft.com/office/powerpoint/2010/main" id="1" dur="indefinite" restart="never" nodeType="tmRoot"/>
+        <p:cTn id="1" dur="indefinite" restart="never" nodeType="tmRoot"/>
       </p:par>
     </p:tnLst>
   </p:timing>
 </p:sld>
 </file>
 
-<file path=ppt/slides/slide22.xml><?xml version="1.0" encoding="utf-8"?>
+<file path=ppt/slides/slide23.xml><?xml version="1.0" encoding="utf-8"?>
 <p:sld xmlns:a="http://schemas.openxmlformats.org/drawingml/2006/main" xmlns:r="http://schemas.openxmlformats.org/officeDocument/2006/relationships" xmlns:p="http://schemas.openxmlformats.org/presentationml/2006/main">
   <p:cSld>
     <p:spTree>
@@ -5304,7 +5793,7 @@
   <p:timing>
     <p:tnLst>
       <p:par>
-        <p:cTn xmlns:p14="http://schemas.microsoft.com/office/powerpoint/2010/main" id="1" dur="indefinite" restart="never" nodeType="tmRoot"/>
+        <p:cTn id="1" dur="indefinite" restart="never" nodeType="tmRoot"/>
       </p:par>
     </p:tnLst>
   </p:timing>
@@ -5375,15 +5864,7 @@
             <a:pPr lvl="1"/>
             <a:r>
               <a:rPr lang="en-US" dirty="0" smtClean="0"/>
-              <a:t>Many other frameworks have </a:t>
-            </a:r>
-            <a:r>
-              <a:rPr lang="en-US" dirty="0" smtClean="0"/>
-              <a:t>adopted </a:t>
-            </a:r>
-            <a:r>
-              <a:rPr lang="en-US" dirty="0" smtClean="0"/>
-              <a:t>these</a:t>
+              <a:t>Many other frameworks have adopted these</a:t>
             </a:r>
           </a:p>
           <a:p>
@@ -5440,7 +5921,7 @@
   <p:timing>
     <p:tnLst>
       <p:par>
-        <p:cTn xmlns:p14="http://schemas.microsoft.com/office/powerpoint/2010/main" id="1" dur="indefinite" restart="never" nodeType="tmRoot"/>
+        <p:cTn id="1" dur="indefinite" restart="never" nodeType="tmRoot"/>
       </p:par>
     </p:tnLst>
   </p:timing>
@@ -5481,7 +5962,15 @@
           <a:p>
             <a:r>
               <a:rPr lang="en-US" dirty="0" smtClean="0"/>
-              <a:t>Installation</a:t>
+              <a:t>Ruby on Rails (</a:t>
+            </a:r>
+            <a:r>
+              <a:rPr lang="en-US" dirty="0" err="1" smtClean="0"/>
+              <a:t>RoR</a:t>
+            </a:r>
+            <a:r>
+              <a:rPr lang="en-US" dirty="0" smtClean="0"/>
+              <a:t>)</a:t>
             </a:r>
             <a:endParaRPr lang="en-US" dirty="0"/>
           </a:p>
@@ -5503,28 +5992,100 @@
           <a:lstStyle/>
           <a:p>
             <a:r>
-              <a:rPr lang="en-US" dirty="0" smtClean="0"/>
-              <a:t>If you have a Mac </a:t>
-            </a:r>
-            <a:r>
-              <a:rPr lang="en-US" dirty="0" smtClean="0"/>
-              <a:t>system</a:t>
-            </a:r>
-            <a:r>
-              <a:rPr lang="en-US" dirty="0" smtClean="0"/>
-              <a:t>, you have </a:t>
-            </a:r>
-            <a:r>
-              <a:rPr lang="en-US" dirty="0" smtClean="0"/>
-              <a:t>ruby</a:t>
-            </a:r>
-          </a:p>
-          <a:p>
-            <a:pPr lvl="1"/>
-            <a:r>
               <a:rPr lang="en-US" dirty="0">
                 <a:hlinkClick r:id="rId2"/>
               </a:rPr>
+              <a:t>http://</a:t>
+            </a:r>
+            <a:r>
+              <a:rPr lang="en-US" dirty="0" err="1" smtClean="0">
+                <a:hlinkClick r:id="rId2"/>
+              </a:rPr>
+              <a:t>rubyonrails.org</a:t>
+            </a:r>
+            <a:endParaRPr lang="en-US" dirty="0"/>
+          </a:p>
+        </p:txBody>
+      </p:sp>
+    </p:spTree>
+    <p:extLst>
+      <p:ext uri="{BB962C8B-B14F-4D97-AF65-F5344CB8AC3E}">
+        <p14:creationId xmlns:p14="http://schemas.microsoft.com/office/powerpoint/2010/main" val="1026182667"/>
+      </p:ext>
+    </p:extLst>
+  </p:cSld>
+  <p:clrMapOvr>
+    <a:masterClrMapping/>
+  </p:clrMapOvr>
+</p:sld>
+</file>
+
+<file path=ppt/slides/slide7.xml><?xml version="1.0" encoding="utf-8"?>
+<p:sld xmlns:a="http://schemas.openxmlformats.org/drawingml/2006/main" xmlns:r="http://schemas.openxmlformats.org/officeDocument/2006/relationships" xmlns:p="http://schemas.openxmlformats.org/presentationml/2006/main">
+  <p:cSld>
+    <p:spTree>
+      <p:nvGrpSpPr>
+        <p:cNvPr id="1" name=""/>
+        <p:cNvGrpSpPr/>
+        <p:nvPr/>
+      </p:nvGrpSpPr>
+      <p:grpSpPr>
+        <a:xfrm>
+          <a:off x="0" y="0"/>
+          <a:ext cx="0" cy="0"/>
+          <a:chOff x="0" y="0"/>
+          <a:chExt cx="0" cy="0"/>
+        </a:xfrm>
+      </p:grpSpPr>
+      <p:sp>
+        <p:nvSpPr>
+          <p:cNvPr id="2" name="Title 1"/>
+          <p:cNvSpPr>
+            <a:spLocks noGrp="1"/>
+          </p:cNvSpPr>
+          <p:nvPr>
+            <p:ph type="title"/>
+          </p:nvPr>
+        </p:nvSpPr>
+        <p:spPr/>
+        <p:txBody>
+          <a:bodyPr/>
+          <a:lstStyle/>
+          <a:p>
+            <a:r>
+              <a:rPr lang="en-US" dirty="0" smtClean="0"/>
+              <a:t>Installation</a:t>
+            </a:r>
+            <a:endParaRPr lang="en-US" dirty="0"/>
+          </a:p>
+        </p:txBody>
+      </p:sp>
+      <p:sp>
+        <p:nvSpPr>
+          <p:cNvPr id="3" name="Content Placeholder 2"/>
+          <p:cNvSpPr>
+            <a:spLocks noGrp="1"/>
+          </p:cNvSpPr>
+          <p:nvPr>
+            <p:ph idx="1"/>
+          </p:nvPr>
+        </p:nvSpPr>
+        <p:spPr/>
+        <p:txBody>
+          <a:bodyPr/>
+          <a:lstStyle/>
+          <a:p>
+            <a:r>
+              <a:rPr lang="en-US" dirty="0" smtClean="0"/>
+              <a:t>If you have a Mac system, you have ruby</a:t>
+            </a:r>
+          </a:p>
+          <a:p>
+            <a:pPr lvl="1"/>
+            <a:r>
+              <a:rPr lang="en-US" dirty="0">
+                <a:hlinkClick r:id="rId2"/>
+              </a:rPr>
               <a:t>http://www.k336.org/2015/10/sudo-less-ror-install-on-os-</a:t>
             </a:r>
             <a:r>
@@ -5551,16 +6112,11 @@
               <a:rPr lang="en-US" dirty="0" smtClean="0"/>
               <a:t>em install rails</a:t>
             </a:r>
-            <a:endParaRPr lang="en-US" dirty="0" smtClean="0"/>
-          </a:p>
-          <a:p>
-            <a:r>
-              <a:rPr lang="en-US" dirty="0" smtClean="0"/>
-              <a:t>If </a:t>
-            </a:r>
-            <a:r>
-              <a:rPr lang="en-US" dirty="0" smtClean="0"/>
-              <a:t>you have Windows: http://</a:t>
+          </a:p>
+          <a:p>
+            <a:r>
+              <a:rPr lang="en-US" dirty="0" smtClean="0"/>
+              <a:t>If you have Windows: http://</a:t>
             </a:r>
             <a:r>
               <a:rPr lang="en-US" dirty="0" err="1" smtClean="0"/>
@@ -5586,14 +6142,14 @@
   <p:timing>
     <p:tnLst>
       <p:par>
-        <p:cTn xmlns:p14="http://schemas.microsoft.com/office/powerpoint/2010/main" id="1" dur="indefinite" restart="never" nodeType="tmRoot"/>
+        <p:cTn id="1" dur="indefinite" restart="never" nodeType="tmRoot"/>
       </p:par>
     </p:tnLst>
   </p:timing>
 </p:sld>
 </file>
 
-<file path=ppt/slides/slide7.xml><?xml version="1.0" encoding="utf-8"?>
+<file path=ppt/slides/slide8.xml><?xml version="1.0" encoding="utf-8"?>
 <p:sld xmlns:a="http://schemas.openxmlformats.org/drawingml/2006/main" xmlns:r="http://schemas.openxmlformats.org/officeDocument/2006/relationships" xmlns:p="http://schemas.openxmlformats.org/presentationml/2006/main">
   <p:cSld>
     <p:spTree>
@@ -5671,408 +6227,7 @@
   <p:timing>
     <p:tnLst>
       <p:par>
-        <p:cTn xmlns:p14="http://schemas.microsoft.com/office/powerpoint/2010/main" id="1" dur="indefinite" restart="never" nodeType="tmRoot"/>
-      </p:par>
-    </p:tnLst>
-  </p:timing>
-</p:sld>
-</file>
-
-<file path=ppt/slides/slide8.xml><?xml version="1.0" encoding="utf-8"?>
-<p:sld xmlns:a="http://schemas.openxmlformats.org/drawingml/2006/main" xmlns:r="http://schemas.openxmlformats.org/officeDocument/2006/relationships" xmlns:p="http://schemas.openxmlformats.org/presentationml/2006/main">
-  <p:cSld>
-    <p:spTree>
-      <p:nvGrpSpPr>
-        <p:cNvPr id="1" name=""/>
-        <p:cNvGrpSpPr/>
-        <p:nvPr/>
-      </p:nvGrpSpPr>
-      <p:grpSpPr>
-        <a:xfrm>
-          <a:off x="0" y="0"/>
-          <a:ext cx="0" cy="0"/>
-          <a:chOff x="0" y="0"/>
-          <a:chExt cx="0" cy="0"/>
-        </a:xfrm>
-      </p:grpSpPr>
-      <p:sp>
-        <p:nvSpPr>
-          <p:cNvPr id="2" name="Title 1"/>
-          <p:cNvSpPr>
-            <a:spLocks noGrp="1"/>
-          </p:cNvSpPr>
-          <p:nvPr>
-            <p:ph type="title"/>
-          </p:nvPr>
-        </p:nvSpPr>
-        <p:spPr/>
-        <p:txBody>
-          <a:bodyPr/>
-          <a:lstStyle/>
-          <a:p>
-            <a:r>
-              <a:rPr lang="en-US" dirty="0" smtClean="0"/>
-              <a:t>Create a new app</a:t>
-            </a:r>
-            <a:endParaRPr lang="en-US" dirty="0"/>
-          </a:p>
-        </p:txBody>
-      </p:sp>
-      <p:sp>
-        <p:nvSpPr>
-          <p:cNvPr id="3" name="Content Placeholder 2"/>
-          <p:cNvSpPr>
-            <a:spLocks noGrp="1"/>
-          </p:cNvSpPr>
-          <p:nvPr>
-            <p:ph idx="1"/>
-          </p:nvPr>
-        </p:nvSpPr>
-        <p:spPr/>
-        <p:txBody>
-          <a:bodyPr>
-            <a:noAutofit/>
-          </a:bodyPr>
-          <a:lstStyle/>
-          <a:p>
-            <a:pPr marL="0" indent="0">
-              <a:lnSpc>
-                <a:spcPct val="120000"/>
-              </a:lnSpc>
-              <a:spcBef>
-                <a:spcPts val="0"/>
-              </a:spcBef>
-              <a:buNone/>
-            </a:pPr>
-            <a:r>
-              <a:rPr lang="en-US" sz="2000" dirty="0" smtClean="0">
-                <a:latin typeface="Courier"/>
-                <a:cs typeface="Courier"/>
-              </a:rPr>
-              <a:t>$ </a:t>
-            </a:r>
-            <a:r>
-              <a:rPr lang="en-US" sz="2000" dirty="0" smtClean="0">
-                <a:solidFill>
-                  <a:srgbClr val="FF0000"/>
-                </a:solidFill>
-                <a:latin typeface="Courier"/>
-                <a:cs typeface="Courier"/>
-              </a:rPr>
-              <a:t>rails </a:t>
-            </a:r>
-            <a:r>
-              <a:rPr lang="en-US" sz="2000" dirty="0">
-                <a:solidFill>
-                  <a:srgbClr val="FF0000"/>
-                </a:solidFill>
-                <a:latin typeface="Courier"/>
-                <a:cs typeface="Courier"/>
-              </a:rPr>
-              <a:t>new </a:t>
-            </a:r>
-            <a:r>
-              <a:rPr lang="en-US" sz="2000" dirty="0" err="1" smtClean="0">
-                <a:solidFill>
-                  <a:srgbClr val="FF0000"/>
-                </a:solidFill>
-                <a:latin typeface="Courier"/>
-                <a:cs typeface="Courier"/>
-              </a:rPr>
-              <a:t>myapp</a:t>
-            </a:r>
-            <a:endParaRPr lang="en-US" sz="2000" dirty="0">
-              <a:solidFill>
-                <a:srgbClr val="FF0000"/>
-              </a:solidFill>
-              <a:latin typeface="Courier"/>
-              <a:cs typeface="Courier"/>
-            </a:endParaRPr>
-          </a:p>
-          <a:p>
-            <a:pPr marL="0" indent="0">
-              <a:lnSpc>
-                <a:spcPct val="120000"/>
-              </a:lnSpc>
-              <a:spcBef>
-                <a:spcPts val="0"/>
-              </a:spcBef>
-              <a:buNone/>
-            </a:pPr>
-            <a:r>
-              <a:rPr lang="en-US" sz="2000" dirty="0">
-                <a:latin typeface="Courier"/>
-                <a:cs typeface="Courier"/>
-              </a:rPr>
-              <a:t>      </a:t>
-            </a:r>
-            <a:r>
-              <a:rPr lang="en-US" sz="2000" dirty="0" smtClean="0">
-                <a:latin typeface="Courier"/>
-                <a:cs typeface="Courier"/>
-              </a:rPr>
-              <a:t>create</a:t>
-            </a:r>
-            <a:endParaRPr lang="en-US" sz="2000" dirty="0">
-              <a:latin typeface="Courier"/>
-              <a:cs typeface="Courier"/>
-            </a:endParaRPr>
-          </a:p>
-          <a:p>
-            <a:pPr marL="0" indent="0">
-              <a:lnSpc>
-                <a:spcPct val="120000"/>
-              </a:lnSpc>
-              <a:spcBef>
-                <a:spcPts val="0"/>
-              </a:spcBef>
-              <a:buNone/>
-            </a:pPr>
-            <a:r>
-              <a:rPr lang="en-US" sz="2000" dirty="0">
-                <a:latin typeface="Courier"/>
-                <a:cs typeface="Courier"/>
-              </a:rPr>
-              <a:t>      create  </a:t>
-            </a:r>
-            <a:r>
-              <a:rPr lang="en-US" sz="2000" dirty="0" err="1" smtClean="0">
-                <a:latin typeface="Courier"/>
-                <a:cs typeface="Courier"/>
-              </a:rPr>
-              <a:t>README.rdoc</a:t>
-            </a:r>
-            <a:endParaRPr lang="en-US" sz="2000" dirty="0">
-              <a:latin typeface="Courier"/>
-              <a:cs typeface="Courier"/>
-            </a:endParaRPr>
-          </a:p>
-          <a:p>
-            <a:pPr marL="0" indent="0">
-              <a:lnSpc>
-                <a:spcPct val="120000"/>
-              </a:lnSpc>
-              <a:spcBef>
-                <a:spcPts val="0"/>
-              </a:spcBef>
-              <a:buNone/>
-            </a:pPr>
-            <a:r>
-              <a:rPr lang="en-US" sz="2000" dirty="0">
-                <a:latin typeface="Courier"/>
-                <a:cs typeface="Courier"/>
-              </a:rPr>
-              <a:t>      create  </a:t>
-            </a:r>
-            <a:r>
-              <a:rPr lang="en-US" sz="2000" dirty="0" err="1" smtClean="0">
-                <a:latin typeface="Courier"/>
-                <a:cs typeface="Courier"/>
-              </a:rPr>
-              <a:t>Rakefile</a:t>
-            </a:r>
-            <a:endParaRPr lang="en-US" sz="2000" dirty="0">
-              <a:latin typeface="Courier"/>
-              <a:cs typeface="Courier"/>
-            </a:endParaRPr>
-          </a:p>
-          <a:p>
-            <a:pPr marL="0" indent="0">
-              <a:lnSpc>
-                <a:spcPct val="120000"/>
-              </a:lnSpc>
-              <a:spcBef>
-                <a:spcPts val="0"/>
-              </a:spcBef>
-              <a:buNone/>
-            </a:pPr>
-            <a:r>
-              <a:rPr lang="en-US" sz="2000" dirty="0">
-                <a:latin typeface="Courier"/>
-                <a:cs typeface="Courier"/>
-              </a:rPr>
-              <a:t>      create  </a:t>
-            </a:r>
-            <a:r>
-              <a:rPr lang="en-US" sz="2000" dirty="0" err="1" smtClean="0">
-                <a:latin typeface="Courier"/>
-                <a:cs typeface="Courier"/>
-              </a:rPr>
-              <a:t>config.ru</a:t>
-            </a:r>
-            <a:endParaRPr lang="en-US" sz="2000" dirty="0">
-              <a:latin typeface="Courier"/>
-              <a:cs typeface="Courier"/>
-            </a:endParaRPr>
-          </a:p>
-          <a:p>
-            <a:pPr marL="0" indent="0">
-              <a:lnSpc>
-                <a:spcPct val="120000"/>
-              </a:lnSpc>
-              <a:spcBef>
-                <a:spcPts val="0"/>
-              </a:spcBef>
-              <a:buNone/>
-            </a:pPr>
-            <a:r>
-              <a:rPr lang="en-US" sz="2000" dirty="0">
-                <a:latin typeface="Courier"/>
-                <a:cs typeface="Courier"/>
-              </a:rPr>
-              <a:t>      create  .</a:t>
-            </a:r>
-            <a:r>
-              <a:rPr lang="en-US" sz="2000" dirty="0" err="1" smtClean="0">
-                <a:latin typeface="Courier"/>
-                <a:cs typeface="Courier"/>
-              </a:rPr>
-              <a:t>gitignore</a:t>
-            </a:r>
-            <a:endParaRPr lang="en-US" sz="2000" dirty="0">
-              <a:latin typeface="Courier"/>
-              <a:cs typeface="Courier"/>
-            </a:endParaRPr>
-          </a:p>
-          <a:p>
-            <a:pPr marL="0" indent="0">
-              <a:lnSpc>
-                <a:spcPct val="120000"/>
-              </a:lnSpc>
-              <a:spcBef>
-                <a:spcPts val="0"/>
-              </a:spcBef>
-              <a:buNone/>
-            </a:pPr>
-            <a:r>
-              <a:rPr lang="en-US" sz="2000" dirty="0">
-                <a:latin typeface="Courier"/>
-                <a:cs typeface="Courier"/>
-              </a:rPr>
-              <a:t>      create  </a:t>
-            </a:r>
-            <a:r>
-              <a:rPr lang="en-US" sz="2000" dirty="0" err="1" smtClean="0">
-                <a:latin typeface="Courier"/>
-                <a:cs typeface="Courier"/>
-              </a:rPr>
-              <a:t>Gemfile</a:t>
-            </a:r>
-            <a:endParaRPr lang="en-US" sz="2000" dirty="0">
-              <a:latin typeface="Courier"/>
-              <a:cs typeface="Courier"/>
-            </a:endParaRPr>
-          </a:p>
-          <a:p>
-            <a:pPr marL="0" indent="0">
-              <a:lnSpc>
-                <a:spcPct val="120000"/>
-              </a:lnSpc>
-              <a:spcBef>
-                <a:spcPts val="0"/>
-              </a:spcBef>
-              <a:buNone/>
-            </a:pPr>
-            <a:r>
-              <a:rPr lang="en-US" sz="2000" dirty="0">
-                <a:latin typeface="Courier"/>
-                <a:cs typeface="Courier"/>
-              </a:rPr>
-              <a:t>      create  </a:t>
-            </a:r>
-            <a:r>
-              <a:rPr lang="en-US" sz="2000" dirty="0" smtClean="0">
-                <a:latin typeface="Courier"/>
-                <a:cs typeface="Courier"/>
-              </a:rPr>
-              <a:t>app</a:t>
-            </a:r>
-            <a:endParaRPr lang="en-US" sz="2000" dirty="0">
-              <a:latin typeface="Courier"/>
-              <a:cs typeface="Courier"/>
-            </a:endParaRPr>
-          </a:p>
-          <a:p>
-            <a:pPr marL="0" indent="0">
-              <a:lnSpc>
-                <a:spcPct val="120000"/>
-              </a:lnSpc>
-              <a:spcBef>
-                <a:spcPts val="0"/>
-              </a:spcBef>
-              <a:buNone/>
-            </a:pPr>
-            <a:r>
-              <a:rPr lang="en-US" sz="2000" dirty="0">
-                <a:latin typeface="Courier"/>
-                <a:cs typeface="Courier"/>
-              </a:rPr>
-              <a:t>      create  app/assets/</a:t>
-            </a:r>
-            <a:r>
-              <a:rPr lang="en-US" sz="2000" dirty="0" err="1">
-                <a:latin typeface="Courier"/>
-                <a:cs typeface="Courier"/>
-              </a:rPr>
-              <a:t>javascripts</a:t>
-            </a:r>
-            <a:r>
-              <a:rPr lang="en-US" sz="2000" dirty="0">
-                <a:latin typeface="Courier"/>
-                <a:cs typeface="Courier"/>
-              </a:rPr>
-              <a:t>/</a:t>
-            </a:r>
-            <a:r>
-              <a:rPr lang="en-US" sz="2000" dirty="0" err="1" smtClean="0">
-                <a:latin typeface="Courier"/>
-                <a:cs typeface="Courier"/>
-              </a:rPr>
-              <a:t>application.js</a:t>
-            </a:r>
-            <a:endParaRPr lang="en-US" sz="2000" dirty="0" smtClean="0">
-              <a:latin typeface="Courier"/>
-              <a:cs typeface="Courier"/>
-            </a:endParaRPr>
-          </a:p>
-          <a:p>
-            <a:pPr marL="0" indent="0">
-              <a:lnSpc>
-                <a:spcPct val="120000"/>
-              </a:lnSpc>
-              <a:spcBef>
-                <a:spcPts val="0"/>
-              </a:spcBef>
-              <a:buNone/>
-            </a:pPr>
-            <a:r>
-              <a:rPr lang="en-US" sz="2000" dirty="0" smtClean="0">
-                <a:latin typeface="Courier"/>
-                <a:cs typeface="Courier"/>
-              </a:rPr>
-              <a:t>[…]</a:t>
-            </a:r>
-            <a:endParaRPr lang="en-US" sz="2000" dirty="0">
-              <a:latin typeface="Courier"/>
-              <a:cs typeface="Courier"/>
-            </a:endParaRPr>
-          </a:p>
-        </p:txBody>
-      </p:sp>
-    </p:spTree>
-    <p:extLst>
-      <p:ext uri="{BB962C8B-B14F-4D97-AF65-F5344CB8AC3E}">
-        <p14:creationId xmlns:p14="http://schemas.microsoft.com/office/powerpoint/2010/main" val="2070681503"/>
-      </p:ext>
-    </p:extLst>
-  </p:cSld>
-  <p:clrMapOvr>
-    <a:masterClrMapping/>
-  </p:clrMapOvr>
-  <p:timing>
-    <p:tnLst>
-      <p:par>
-        <p:cTn xmlns:p14="http://schemas.microsoft.com/office/powerpoint/2010/main" id="1" dur="indefinite" restart="never" nodeType="tmRoot"/>
+        <p:cTn id="1" dur="indefinite" restart="never" nodeType="tmRoot"/>
       </p:par>
     </p:tnLst>
   </p:timing>
@@ -6113,7 +6268,7 @@
           <a:p>
             <a:r>
               <a:rPr lang="en-US" dirty="0" smtClean="0"/>
-              <a:t>Finished</a:t>
+              <a:t>Create a new app</a:t>
             </a:r>
             <a:endParaRPr lang="en-US" dirty="0"/>
           </a:p>
@@ -6132,321 +6287,338 @@
         <p:spPr/>
         <p:txBody>
           <a:bodyPr>
-            <a:normAutofit fontScale="70000" lnSpcReduction="20000"/>
+            <a:noAutofit/>
           </a:bodyPr>
           <a:lstStyle/>
           <a:p>
             <a:pPr marL="0" indent="0">
+              <a:lnSpc>
+                <a:spcPct val="120000"/>
+              </a:lnSpc>
+              <a:spcBef>
+                <a:spcPts val="0"/>
+              </a:spcBef>
               <a:buNone/>
             </a:pPr>
             <a:r>
-              <a:rPr lang="en-US" dirty="0" smtClean="0">
-                <a:latin typeface="Courier"/>
-                <a:cs typeface="Courier"/>
-              </a:rPr>
-              <a:t>[…]</a:t>
-            </a:r>
-          </a:p>
-          <a:p>
-            <a:pPr marL="0" indent="0">
-              <a:buNone/>
-            </a:pPr>
-            <a:r>
-              <a:rPr lang="en-US" dirty="0" smtClean="0">
-                <a:latin typeface="Courier"/>
-                <a:cs typeface="Courier"/>
-              </a:rPr>
-              <a:t>Your </a:t>
-            </a:r>
-            <a:r>
-              <a:rPr lang="en-US" dirty="0">
-                <a:latin typeface="Courier"/>
-                <a:cs typeface="Courier"/>
-              </a:rPr>
-              <a:t>bundle is complete</a:t>
-            </a:r>
-            <a:r>
-              <a:rPr lang="en-US" dirty="0" smtClean="0">
-                <a:latin typeface="Courier"/>
-                <a:cs typeface="Courier"/>
-              </a:rPr>
-              <a:t>!</a:t>
-            </a:r>
-            <a:endParaRPr lang="en-US" dirty="0">
+              <a:rPr lang="en-US" sz="2000" dirty="0" smtClean="0">
+                <a:latin typeface="Courier"/>
+                <a:cs typeface="Courier"/>
+              </a:rPr>
+              <a:t>$ </a:t>
+            </a:r>
+            <a:r>
+              <a:rPr lang="en-US" sz="2000" dirty="0" smtClean="0">
+                <a:solidFill>
+                  <a:srgbClr val="FF0000"/>
+                </a:solidFill>
+                <a:latin typeface="Courier"/>
+                <a:cs typeface="Courier"/>
+              </a:rPr>
+              <a:t>rails </a:t>
+            </a:r>
+            <a:r>
+              <a:rPr lang="en-US" sz="2000" dirty="0">
+                <a:solidFill>
+                  <a:srgbClr val="FF0000"/>
+                </a:solidFill>
+                <a:latin typeface="Courier"/>
+                <a:cs typeface="Courier"/>
+              </a:rPr>
+              <a:t>new </a:t>
+            </a:r>
+            <a:r>
+              <a:rPr lang="en-US" sz="2000" dirty="0" err="1" smtClean="0">
+                <a:solidFill>
+                  <a:srgbClr val="FF0000"/>
+                </a:solidFill>
+                <a:latin typeface="Courier"/>
+                <a:cs typeface="Courier"/>
+              </a:rPr>
+              <a:t>myapp</a:t>
+            </a:r>
+            <a:endParaRPr lang="en-US" sz="2000" dirty="0">
+              <a:solidFill>
+                <a:srgbClr val="FF0000"/>
+              </a:solidFill>
               <a:latin typeface="Courier"/>
               <a:cs typeface="Courier"/>
             </a:endParaRPr>
           </a:p>
           <a:p>
             <a:pPr marL="0" indent="0">
+              <a:lnSpc>
+                <a:spcPct val="120000"/>
+              </a:lnSpc>
+              <a:spcBef>
+                <a:spcPts val="0"/>
+              </a:spcBef>
               <a:buNone/>
             </a:pPr>
             <a:r>
-              <a:rPr lang="en-US" dirty="0">
-                <a:latin typeface="Courier"/>
-                <a:cs typeface="Courier"/>
-              </a:rPr>
-              <a:t>Use `bundle show [</a:t>
-            </a:r>
-            <a:r>
-              <a:rPr lang="en-US" dirty="0" err="1">
-                <a:latin typeface="Courier"/>
-                <a:cs typeface="Courier"/>
-              </a:rPr>
-              <a:t>gemname</a:t>
-            </a:r>
-            <a:r>
-              <a:rPr lang="en-US" dirty="0">
-                <a:latin typeface="Courier"/>
-                <a:cs typeface="Courier"/>
-              </a:rPr>
-              <a:t>]` to see where a bundled gem is installed</a:t>
-            </a:r>
-            <a:r>
-              <a:rPr lang="en-US" dirty="0" smtClean="0">
-                <a:latin typeface="Courier"/>
-                <a:cs typeface="Courier"/>
-              </a:rPr>
-              <a:t>.</a:t>
-            </a:r>
-            <a:endParaRPr lang="en-US" dirty="0">
+              <a:rPr lang="en-US" sz="2000" dirty="0">
+                <a:latin typeface="Courier"/>
+                <a:cs typeface="Courier"/>
+              </a:rPr>
+              <a:t>      </a:t>
+            </a:r>
+            <a:r>
+              <a:rPr lang="en-US" sz="2000" dirty="0" smtClean="0">
+                <a:latin typeface="Courier"/>
+                <a:cs typeface="Courier"/>
+              </a:rPr>
+              <a:t>create</a:t>
+            </a:r>
+            <a:endParaRPr lang="en-US" sz="2000" dirty="0">
               <a:latin typeface="Courier"/>
               <a:cs typeface="Courier"/>
             </a:endParaRPr>
           </a:p>
           <a:p>
             <a:pPr marL="0" indent="0">
+              <a:lnSpc>
+                <a:spcPct val="120000"/>
+              </a:lnSpc>
+              <a:spcBef>
+                <a:spcPts val="0"/>
+              </a:spcBef>
               <a:buNone/>
             </a:pPr>
             <a:r>
-              <a:rPr lang="en-US" dirty="0">
-                <a:latin typeface="Courier"/>
-                <a:cs typeface="Courier"/>
-              </a:rPr>
-              <a:t>Post-install message from </a:t>
-            </a:r>
-            <a:r>
-              <a:rPr lang="en-US" dirty="0" err="1">
-                <a:latin typeface="Courier"/>
-                <a:cs typeface="Courier"/>
-              </a:rPr>
-              <a:t>rdoc</a:t>
-            </a:r>
-            <a:r>
-              <a:rPr lang="en-US" dirty="0" smtClean="0">
-                <a:latin typeface="Courier"/>
-                <a:cs typeface="Courier"/>
-              </a:rPr>
-              <a:t>:</a:t>
-            </a:r>
-            <a:endParaRPr lang="en-US" dirty="0">
+              <a:rPr lang="en-US" sz="2000" dirty="0">
+                <a:latin typeface="Courier"/>
+                <a:cs typeface="Courier"/>
+              </a:rPr>
+              <a:t>      create  </a:t>
+            </a:r>
+            <a:r>
+              <a:rPr lang="en-US" sz="2000" dirty="0" err="1" smtClean="0">
+                <a:latin typeface="Courier"/>
+                <a:cs typeface="Courier"/>
+              </a:rPr>
+              <a:t>README.rdoc</a:t>
+            </a:r>
+            <a:endParaRPr lang="en-US" sz="2000" dirty="0">
               <a:latin typeface="Courier"/>
               <a:cs typeface="Courier"/>
             </a:endParaRPr>
           </a:p>
           <a:p>
             <a:pPr marL="0" indent="0">
+              <a:lnSpc>
+                <a:spcPct val="120000"/>
+              </a:lnSpc>
+              <a:spcBef>
+                <a:spcPts val="0"/>
+              </a:spcBef>
               <a:buNone/>
             </a:pPr>
             <a:r>
-              <a:rPr lang="en-US" dirty="0">
-                <a:latin typeface="Courier"/>
-                <a:cs typeface="Courier"/>
-              </a:rPr>
-              <a:t>Depending on your version of ruby, you may need to install ruby </a:t>
-            </a:r>
-            <a:r>
-              <a:rPr lang="en-US" dirty="0" err="1">
-                <a:latin typeface="Courier"/>
-                <a:cs typeface="Courier"/>
-              </a:rPr>
-              <a:t>rdoc</a:t>
-            </a:r>
-            <a:r>
-              <a:rPr lang="en-US" dirty="0">
-                <a:latin typeface="Courier"/>
-                <a:cs typeface="Courier"/>
-              </a:rPr>
-              <a:t>/</a:t>
-            </a:r>
-            <a:r>
-              <a:rPr lang="en-US" dirty="0" err="1">
-                <a:latin typeface="Courier"/>
-                <a:cs typeface="Courier"/>
-              </a:rPr>
-              <a:t>ri</a:t>
-            </a:r>
-            <a:r>
-              <a:rPr lang="en-US" dirty="0">
-                <a:latin typeface="Courier"/>
-                <a:cs typeface="Courier"/>
-              </a:rPr>
-              <a:t> data</a:t>
-            </a:r>
-            <a:r>
-              <a:rPr lang="en-US" dirty="0" smtClean="0">
-                <a:latin typeface="Courier"/>
-                <a:cs typeface="Courier"/>
-              </a:rPr>
-              <a:t>:</a:t>
-            </a:r>
-            <a:endParaRPr lang="en-US" dirty="0">
+              <a:rPr lang="en-US" sz="2000" dirty="0">
+                <a:latin typeface="Courier"/>
+                <a:cs typeface="Courier"/>
+              </a:rPr>
+              <a:t>      create  </a:t>
+            </a:r>
+            <a:r>
+              <a:rPr lang="en-US" sz="2000" dirty="0" err="1" smtClean="0">
+                <a:latin typeface="Courier"/>
+                <a:cs typeface="Courier"/>
+              </a:rPr>
+              <a:t>Rakefile</a:t>
+            </a:r>
+            <a:endParaRPr lang="en-US" sz="2000" dirty="0">
               <a:latin typeface="Courier"/>
               <a:cs typeface="Courier"/>
             </a:endParaRPr>
           </a:p>
           <a:p>
             <a:pPr marL="0" indent="0">
+              <a:lnSpc>
+                <a:spcPct val="120000"/>
+              </a:lnSpc>
+              <a:spcBef>
+                <a:spcPts val="0"/>
+              </a:spcBef>
               <a:buNone/>
             </a:pPr>
-            <a:endParaRPr lang="en-US" dirty="0">
+            <a:r>
+              <a:rPr lang="en-US" sz="2000" dirty="0">
+                <a:latin typeface="Courier"/>
+                <a:cs typeface="Courier"/>
+              </a:rPr>
+              <a:t>      create  </a:t>
+            </a:r>
+            <a:r>
+              <a:rPr lang="en-US" sz="2000" dirty="0" err="1" smtClean="0">
+                <a:latin typeface="Courier"/>
+                <a:cs typeface="Courier"/>
+              </a:rPr>
+              <a:t>config.ru</a:t>
+            </a:r>
+            <a:endParaRPr lang="en-US" sz="2000" dirty="0">
               <a:latin typeface="Courier"/>
               <a:cs typeface="Courier"/>
             </a:endParaRPr>
           </a:p>
           <a:p>
             <a:pPr marL="0" indent="0">
+              <a:lnSpc>
+                <a:spcPct val="120000"/>
+              </a:lnSpc>
+              <a:spcBef>
+                <a:spcPts val="0"/>
+              </a:spcBef>
               <a:buNone/>
             </a:pPr>
             <a:r>
-              <a:rPr lang="en-US" dirty="0">
-                <a:latin typeface="Courier"/>
-                <a:cs typeface="Courier"/>
-              </a:rPr>
-              <a:t>&lt;= 1.8.6 : </a:t>
-            </a:r>
-            <a:r>
-              <a:rPr lang="en-US" dirty="0" smtClean="0">
-                <a:latin typeface="Courier"/>
-                <a:cs typeface="Courier"/>
-              </a:rPr>
-              <a:t>unsupported</a:t>
-            </a:r>
-            <a:endParaRPr lang="en-US" dirty="0">
+              <a:rPr lang="en-US" sz="2000" dirty="0">
+                <a:latin typeface="Courier"/>
+                <a:cs typeface="Courier"/>
+              </a:rPr>
+              <a:t>      create  .</a:t>
+            </a:r>
+            <a:r>
+              <a:rPr lang="en-US" sz="2000" dirty="0" err="1" smtClean="0">
+                <a:latin typeface="Courier"/>
+                <a:cs typeface="Courier"/>
+              </a:rPr>
+              <a:t>gitignore</a:t>
+            </a:r>
+            <a:endParaRPr lang="en-US" sz="2000" dirty="0">
               <a:latin typeface="Courier"/>
               <a:cs typeface="Courier"/>
             </a:endParaRPr>
           </a:p>
           <a:p>
             <a:pPr marL="0" indent="0">
+              <a:lnSpc>
+                <a:spcPct val="120000"/>
+              </a:lnSpc>
+              <a:spcBef>
+                <a:spcPts val="0"/>
+              </a:spcBef>
               <a:buNone/>
             </a:pPr>
             <a:r>
-              <a:rPr lang="en-US" dirty="0">
-                <a:latin typeface="Courier"/>
-                <a:cs typeface="Courier"/>
-              </a:rPr>
-              <a:t> = 1.8.7 : gem install </a:t>
-            </a:r>
-            <a:r>
-              <a:rPr lang="en-US" dirty="0" err="1">
-                <a:latin typeface="Courier"/>
-                <a:cs typeface="Courier"/>
-              </a:rPr>
-              <a:t>rdoc</a:t>
-            </a:r>
-            <a:r>
-              <a:rPr lang="en-US" dirty="0">
-                <a:latin typeface="Courier"/>
-                <a:cs typeface="Courier"/>
-              </a:rPr>
-              <a:t>-data; </a:t>
-            </a:r>
-            <a:r>
-              <a:rPr lang="en-US" dirty="0" err="1">
-                <a:latin typeface="Courier"/>
-                <a:cs typeface="Courier"/>
-              </a:rPr>
-              <a:t>rdoc</a:t>
-            </a:r>
-            <a:r>
-              <a:rPr lang="en-US" dirty="0">
-                <a:latin typeface="Courier"/>
-                <a:cs typeface="Courier"/>
-              </a:rPr>
-              <a:t>-data --</a:t>
-            </a:r>
-            <a:r>
-              <a:rPr lang="en-US" dirty="0" smtClean="0">
-                <a:latin typeface="Courier"/>
-                <a:cs typeface="Courier"/>
-              </a:rPr>
-              <a:t>install</a:t>
-            </a:r>
-            <a:endParaRPr lang="en-US" dirty="0">
+              <a:rPr lang="en-US" sz="2000" dirty="0">
+                <a:latin typeface="Courier"/>
+                <a:cs typeface="Courier"/>
+              </a:rPr>
+              <a:t>      create  </a:t>
+            </a:r>
+            <a:r>
+              <a:rPr lang="en-US" sz="2000" dirty="0" err="1" smtClean="0">
+                <a:latin typeface="Courier"/>
+                <a:cs typeface="Courier"/>
+              </a:rPr>
+              <a:t>Gemfile</a:t>
+            </a:r>
+            <a:endParaRPr lang="en-US" sz="2000" dirty="0">
               <a:latin typeface="Courier"/>
               <a:cs typeface="Courier"/>
             </a:endParaRPr>
           </a:p>
           <a:p>
             <a:pPr marL="0" indent="0">
+              <a:lnSpc>
+                <a:spcPct val="120000"/>
+              </a:lnSpc>
+              <a:spcBef>
+                <a:spcPts val="0"/>
+              </a:spcBef>
               <a:buNone/>
             </a:pPr>
             <a:r>
-              <a:rPr lang="en-US" dirty="0">
-                <a:latin typeface="Courier"/>
-                <a:cs typeface="Courier"/>
-              </a:rPr>
-              <a:t> = 1.9.1 : gem install </a:t>
-            </a:r>
-            <a:r>
-              <a:rPr lang="en-US" dirty="0" err="1">
-                <a:latin typeface="Courier"/>
-                <a:cs typeface="Courier"/>
-              </a:rPr>
-              <a:t>rdoc</a:t>
-            </a:r>
-            <a:r>
-              <a:rPr lang="en-US" dirty="0">
-                <a:latin typeface="Courier"/>
-                <a:cs typeface="Courier"/>
-              </a:rPr>
-              <a:t>-data; </a:t>
-            </a:r>
-            <a:r>
-              <a:rPr lang="en-US" dirty="0" err="1">
-                <a:latin typeface="Courier"/>
-                <a:cs typeface="Courier"/>
-              </a:rPr>
-              <a:t>rdoc</a:t>
-            </a:r>
-            <a:r>
-              <a:rPr lang="en-US" dirty="0">
-                <a:latin typeface="Courier"/>
-                <a:cs typeface="Courier"/>
-              </a:rPr>
-              <a:t>-data --</a:t>
-            </a:r>
-            <a:r>
-              <a:rPr lang="en-US" dirty="0" smtClean="0">
-                <a:latin typeface="Courier"/>
-                <a:cs typeface="Courier"/>
-              </a:rPr>
-              <a:t>install</a:t>
-            </a:r>
-            <a:endParaRPr lang="en-US" dirty="0">
+              <a:rPr lang="en-US" sz="2000" dirty="0">
+                <a:latin typeface="Courier"/>
+                <a:cs typeface="Courier"/>
+              </a:rPr>
+              <a:t>      create  </a:t>
+            </a:r>
+            <a:r>
+              <a:rPr lang="en-US" sz="2000" dirty="0" smtClean="0">
+                <a:latin typeface="Courier"/>
+                <a:cs typeface="Courier"/>
+              </a:rPr>
+              <a:t>app</a:t>
+            </a:r>
+            <a:endParaRPr lang="en-US" sz="2000" dirty="0">
               <a:latin typeface="Courier"/>
               <a:cs typeface="Courier"/>
             </a:endParaRPr>
           </a:p>
           <a:p>
             <a:pPr marL="0" indent="0">
+              <a:lnSpc>
+                <a:spcPct val="120000"/>
+              </a:lnSpc>
+              <a:spcBef>
+                <a:spcPts val="0"/>
+              </a:spcBef>
               <a:buNone/>
             </a:pPr>
             <a:r>
-              <a:rPr lang="en-US" dirty="0">
-                <a:latin typeface="Courier"/>
-                <a:cs typeface="Courier"/>
-              </a:rPr>
-              <a:t>&gt;= 1.9.2 : nothing to do! Yay!</a:t>
-            </a:r>
+              <a:rPr lang="en-US" sz="2000" dirty="0">
+                <a:latin typeface="Courier"/>
+                <a:cs typeface="Courier"/>
+              </a:rPr>
+              <a:t>      create  app/assets/</a:t>
+            </a:r>
+            <a:r>
+              <a:rPr lang="en-US" sz="2000" dirty="0" err="1">
+                <a:latin typeface="Courier"/>
+                <a:cs typeface="Courier"/>
+              </a:rPr>
+              <a:t>javascripts</a:t>
+            </a:r>
+            <a:r>
+              <a:rPr lang="en-US" sz="2000" dirty="0">
+                <a:latin typeface="Courier"/>
+                <a:cs typeface="Courier"/>
+              </a:rPr>
+              <a:t>/</a:t>
+            </a:r>
+            <a:r>
+              <a:rPr lang="en-US" sz="2000" dirty="0" err="1" smtClean="0">
+                <a:latin typeface="Courier"/>
+                <a:cs typeface="Courier"/>
+              </a:rPr>
+              <a:t>application.js</a:t>
+            </a:r>
+            <a:endParaRPr lang="en-US" sz="2000" dirty="0" smtClean="0">
+              <a:latin typeface="Courier"/>
+              <a:cs typeface="Courier"/>
+            </a:endParaRPr>
+          </a:p>
+          <a:p>
+            <a:pPr marL="0" indent="0">
+              <a:lnSpc>
+                <a:spcPct val="120000"/>
+              </a:lnSpc>
+              <a:spcBef>
+                <a:spcPts val="0"/>
+              </a:spcBef>
+              <a:buNone/>
+            </a:pPr>
+            <a:r>
+              <a:rPr lang="en-US" sz="2000" dirty="0" smtClean="0">
+                <a:latin typeface="Courier"/>
+                <a:cs typeface="Courier"/>
+              </a:rPr>
+              <a:t>[…]</a:t>
+            </a:r>
+            <a:endParaRPr lang="en-US" sz="2000" dirty="0">
+              <a:latin typeface="Courier"/>
+              <a:cs typeface="Courier"/>
+            </a:endParaRPr>
           </a:p>
         </p:txBody>
       </p:sp>
     </p:spTree>
     <p:extLst>
       <p:ext uri="{BB962C8B-B14F-4D97-AF65-F5344CB8AC3E}">
-        <p14:creationId xmlns:p14="http://schemas.microsoft.com/office/powerpoint/2010/main" val="3779438900"/>
+        <p14:creationId xmlns:p14="http://schemas.microsoft.com/office/powerpoint/2010/main" val="2070681503"/>
       </p:ext>
     </p:extLst>
   </p:cSld>
@@ -6456,7 +6628,7 @@
   <p:timing>
     <p:tnLst>
       <p:par>
-        <p:cTn xmlns:p14="http://schemas.microsoft.com/office/powerpoint/2010/main" id="1" dur="indefinite" restart="never" nodeType="tmRoot"/>
+        <p:cTn id="1" dur="indefinite" restart="never" nodeType="tmRoot"/>
       </p:par>
     </p:tnLst>
   </p:timing>
